--- a/10. ACL & NAT/Packet Tracer - ACL , NAT.pptx
+++ b/10. ACL & NAT/Packet Tracer - ACL , NAT.pptx
@@ -12,10 +12,13 @@
     <p:sldId id="262" r:id="rId6"/>
     <p:sldId id="264" r:id="rId7"/>
     <p:sldId id="265" r:id="rId8"/>
-    <p:sldId id="261" r:id="rId9"/>
-    <p:sldId id="266" r:id="rId10"/>
-    <p:sldId id="267" r:id="rId11"/>
-    <p:sldId id="259" r:id="rId12"/>
+    <p:sldId id="270" r:id="rId9"/>
+    <p:sldId id="268" r:id="rId10"/>
+    <p:sldId id="269" r:id="rId11"/>
+    <p:sldId id="266" r:id="rId12"/>
+    <p:sldId id="267" r:id="rId13"/>
+    <p:sldId id="271" r:id="rId14"/>
+    <p:sldId id="259" r:id="rId15"/>
   </p:sldIdLst>
   <p:sldSz cx="12192000" cy="6858000"/>
   <p:notesSz cx="6858000" cy="9144000"/>
@@ -3507,14 +3510,6 @@
           <a:p>
             <a:pPr algn="ctr"/>
             <a:r>
-              <a:rPr lang="ko-KR" altLang="en-US" sz="4000" b="1" dirty="0">
-                <a:solidFill>
-                  <a:schemeClr val="bg1"/>
-                </a:solidFill>
-              </a:rPr>
-              <a:t> </a:t>
-            </a:r>
-            <a:r>
               <a:rPr lang="en-US" altLang="ko-KR" sz="4000" b="1" dirty="0">
                 <a:solidFill>
                   <a:schemeClr val="bg1"/>
@@ -3548,6 +3543,355 @@
         </p:nvSpPr>
         <p:spPr>
           <a:xfrm>
+            <a:off x="838200" y="1825625"/>
+            <a:ext cx="10515600" cy="444864"/>
+          </a:xfrm>
+        </p:spPr>
+        <p:txBody>
+          <a:bodyPr>
+            <a:normAutofit/>
+          </a:bodyPr>
+          <a:lstStyle/>
+          <a:p>
+            <a:pPr marL="0" indent="0" algn="ctr">
+              <a:buNone/>
+            </a:pPr>
+            <a:r>
+              <a:rPr lang="en-US" altLang="ko-KR" sz="2000" b="1" dirty="0">
+                <a:solidFill>
+                  <a:schemeClr val="bg1"/>
+                </a:solidFill>
+              </a:rPr>
+              <a:t>Extended ACL </a:t>
+            </a:r>
+            <a:r>
+              <a:rPr lang="ko-KR" altLang="en-US" sz="2000" b="1" dirty="0">
+                <a:solidFill>
+                  <a:schemeClr val="bg1"/>
+                </a:solidFill>
+              </a:rPr>
+              <a:t>동작원리</a:t>
+            </a:r>
+          </a:p>
+        </p:txBody>
+      </p:sp>
+      <p:pic>
+        <p:nvPicPr>
+          <p:cNvPr id="2050" name="Picture 2">
+            <a:extLst>
+              <a:ext uri="{FF2B5EF4-FFF2-40B4-BE49-F238E27FC236}">
+                <a16:creationId xmlns:a16="http://schemas.microsoft.com/office/drawing/2014/main" id="{9E74826A-2854-0643-B31F-2EF6493F0136}"/>
+              </a:ext>
+            </a:extLst>
+          </p:cNvPr>
+          <p:cNvPicPr>
+            <a:picLocks noChangeAspect="1" noChangeArrowheads="1"/>
+          </p:cNvPicPr>
+          <p:nvPr/>
+        </p:nvPicPr>
+        <p:blipFill>
+          <a:blip r:embed="rId2">
+            <a:extLst>
+              <a:ext uri="{28A0092B-C50C-407E-A947-70E740481C1C}">
+                <a14:useLocalDpi xmlns:a14="http://schemas.microsoft.com/office/drawing/2010/main" val="0"/>
+              </a:ext>
+            </a:extLst>
+          </a:blip>
+          <a:srcRect/>
+          <a:stretch>
+            <a:fillRect/>
+          </a:stretch>
+        </p:blipFill>
+        <p:spPr bwMode="auto">
+          <a:xfrm>
+            <a:off x="3368842" y="2667670"/>
+            <a:ext cx="4697830" cy="3825205"/>
+          </a:xfrm>
+          <a:prstGeom prst="rect">
+            <a:avLst/>
+          </a:prstGeom>
+          <a:noFill/>
+          <a:extLst>
+            <a:ext uri="{909E8E84-426E-40DD-AFC4-6F175D3DCCD1}">
+              <a14:hiddenFill xmlns:a14="http://schemas.microsoft.com/office/drawing/2010/main">
+                <a:solidFill>
+                  <a:srgbClr val="FFFFFF"/>
+                </a:solidFill>
+              </a14:hiddenFill>
+            </a:ext>
+          </a:extLst>
+        </p:spPr>
+      </p:pic>
+    </p:spTree>
+    <p:extLst>
+      <p:ext uri="{BB962C8B-B14F-4D97-AF65-F5344CB8AC3E}">
+        <p14:creationId xmlns:p14="http://schemas.microsoft.com/office/powerpoint/2010/main" val="513549093"/>
+      </p:ext>
+    </p:extLst>
+  </p:cSld>
+  <p:clrMapOvr>
+    <a:masterClrMapping/>
+  </p:clrMapOvr>
+</p:sld>
+</file>
+
+<file path=ppt/slides/slide11.xml><?xml version="1.0" encoding="utf-8"?>
+<p:sld xmlns:a="http://schemas.openxmlformats.org/drawingml/2006/main" xmlns:r="http://schemas.openxmlformats.org/officeDocument/2006/relationships" xmlns:p="http://schemas.openxmlformats.org/presentationml/2006/main">
+  <p:cSld>
+    <p:bg>
+      <p:bgPr>
+        <a:solidFill>
+          <a:schemeClr val="tx1"/>
+        </a:solidFill>
+        <a:effectLst/>
+      </p:bgPr>
+    </p:bg>
+    <p:spTree>
+      <p:nvGrpSpPr>
+        <p:cNvPr id="1" name=""/>
+        <p:cNvGrpSpPr/>
+        <p:nvPr/>
+      </p:nvGrpSpPr>
+      <p:grpSpPr>
+        <a:xfrm>
+          <a:off x="0" y="0"/>
+          <a:ext cx="0" cy="0"/>
+          <a:chOff x="0" y="0"/>
+          <a:chExt cx="0" cy="0"/>
+        </a:xfrm>
+      </p:grpSpPr>
+      <p:sp>
+        <p:nvSpPr>
+          <p:cNvPr id="2" name="제목 1">
+            <a:extLst>
+              <a:ext uri="{FF2B5EF4-FFF2-40B4-BE49-F238E27FC236}">
+                <a16:creationId xmlns:a16="http://schemas.microsoft.com/office/drawing/2014/main" id="{91C362C9-27CC-20DB-5D3F-DB1270EBF0A0}"/>
+              </a:ext>
+            </a:extLst>
+          </p:cNvPr>
+          <p:cNvSpPr>
+            <a:spLocks noGrp="1"/>
+          </p:cNvSpPr>
+          <p:nvPr>
+            <p:ph type="title"/>
+          </p:nvPr>
+        </p:nvSpPr>
+        <p:spPr/>
+        <p:txBody>
+          <a:bodyPr>
+            <a:normAutofit/>
+          </a:bodyPr>
+          <a:lstStyle/>
+          <a:p>
+            <a:pPr algn="ctr"/>
+            <a:r>
+              <a:rPr lang="ko-KR" altLang="en-US" sz="4000" b="1" dirty="0">
+                <a:solidFill>
+                  <a:schemeClr val="bg1"/>
+                </a:solidFill>
+              </a:rPr>
+              <a:t> </a:t>
+            </a:r>
+            <a:r>
+              <a:rPr lang="en-US" altLang="ko-KR" sz="4000" b="1" dirty="0">
+                <a:solidFill>
+                  <a:schemeClr val="bg1"/>
+                </a:solidFill>
+              </a:rPr>
+              <a:t>Extended ACL(Access Control List)</a:t>
+            </a:r>
+            <a:endParaRPr lang="ko-KR" altLang="en-US" sz="4000" b="1" dirty="0">
+              <a:solidFill>
+                <a:schemeClr val="bg1"/>
+              </a:solidFill>
+            </a:endParaRPr>
+          </a:p>
+        </p:txBody>
+      </p:sp>
+      <p:sp>
+        <p:nvSpPr>
+          <p:cNvPr id="3" name="내용 개체 틀 2">
+            <a:extLst>
+              <a:ext uri="{FF2B5EF4-FFF2-40B4-BE49-F238E27FC236}">
+                <a16:creationId xmlns:a16="http://schemas.microsoft.com/office/drawing/2014/main" id="{2D0BE634-C587-C2FC-DD99-252F7B9250B9}"/>
+              </a:ext>
+            </a:extLst>
+          </p:cNvPr>
+          <p:cNvSpPr>
+            <a:spLocks noGrp="1"/>
+          </p:cNvSpPr>
+          <p:nvPr>
+            <p:ph idx="1"/>
+          </p:nvPr>
+        </p:nvSpPr>
+        <p:spPr>
+          <a:xfrm>
+            <a:off x="4565072" y="1804843"/>
+            <a:ext cx="3061855" cy="501939"/>
+          </a:xfrm>
+        </p:spPr>
+        <p:txBody>
+          <a:bodyPr>
+            <a:normAutofit/>
+          </a:bodyPr>
+          <a:lstStyle/>
+          <a:p>
+            <a:pPr marL="0" indent="0">
+              <a:buNone/>
+            </a:pPr>
+            <a:r>
+              <a:rPr lang="en-US" altLang="ko-KR" sz="2000" b="1" dirty="0">
+                <a:solidFill>
+                  <a:schemeClr val="bg1"/>
+                </a:solidFill>
+              </a:rPr>
+              <a:t>Extended ACL </a:t>
+            </a:r>
+            <a:r>
+              <a:rPr lang="ko-KR" altLang="en-US" sz="2000" b="1" dirty="0">
+                <a:solidFill>
+                  <a:schemeClr val="bg1"/>
+                </a:solidFill>
+              </a:rPr>
+              <a:t>토폴로지</a:t>
+            </a:r>
+          </a:p>
+        </p:txBody>
+      </p:sp>
+      <p:pic>
+        <p:nvPicPr>
+          <p:cNvPr id="5" name="그림 4">
+            <a:extLst>
+              <a:ext uri="{FF2B5EF4-FFF2-40B4-BE49-F238E27FC236}">
+                <a16:creationId xmlns:a16="http://schemas.microsoft.com/office/drawing/2014/main" id="{7B013AB4-9835-153A-5096-E89052EFAB2A}"/>
+              </a:ext>
+            </a:extLst>
+          </p:cNvPr>
+          <p:cNvPicPr>
+            <a:picLocks noChangeAspect="1"/>
+          </p:cNvPicPr>
+          <p:nvPr/>
+        </p:nvPicPr>
+        <p:blipFill>
+          <a:blip r:embed="rId2"/>
+          <a:stretch>
+            <a:fillRect/>
+          </a:stretch>
+        </p:blipFill>
+        <p:spPr>
+          <a:xfrm>
+            <a:off x="2601926" y="2309132"/>
+            <a:ext cx="6988146" cy="4183743"/>
+          </a:xfrm>
+          <a:prstGeom prst="rect">
+            <a:avLst/>
+          </a:prstGeom>
+        </p:spPr>
+      </p:pic>
+    </p:spTree>
+    <p:extLst>
+      <p:ext uri="{BB962C8B-B14F-4D97-AF65-F5344CB8AC3E}">
+        <p14:creationId xmlns:p14="http://schemas.microsoft.com/office/powerpoint/2010/main" val="2198052416"/>
+      </p:ext>
+    </p:extLst>
+  </p:cSld>
+  <p:clrMapOvr>
+    <a:masterClrMapping/>
+  </p:clrMapOvr>
+</p:sld>
+</file>
+
+<file path=ppt/slides/slide12.xml><?xml version="1.0" encoding="utf-8"?>
+<p:sld xmlns:a="http://schemas.openxmlformats.org/drawingml/2006/main" xmlns:r="http://schemas.openxmlformats.org/officeDocument/2006/relationships" xmlns:p="http://schemas.openxmlformats.org/presentationml/2006/main">
+  <p:cSld>
+    <p:bg>
+      <p:bgPr>
+        <a:solidFill>
+          <a:schemeClr val="tx1"/>
+        </a:solidFill>
+        <a:effectLst/>
+      </p:bgPr>
+    </p:bg>
+    <p:spTree>
+      <p:nvGrpSpPr>
+        <p:cNvPr id="1" name=""/>
+        <p:cNvGrpSpPr/>
+        <p:nvPr/>
+      </p:nvGrpSpPr>
+      <p:grpSpPr>
+        <a:xfrm>
+          <a:off x="0" y="0"/>
+          <a:ext cx="0" cy="0"/>
+          <a:chOff x="0" y="0"/>
+          <a:chExt cx="0" cy="0"/>
+        </a:xfrm>
+      </p:grpSpPr>
+      <p:sp>
+        <p:nvSpPr>
+          <p:cNvPr id="2" name="제목 1">
+            <a:extLst>
+              <a:ext uri="{FF2B5EF4-FFF2-40B4-BE49-F238E27FC236}">
+                <a16:creationId xmlns:a16="http://schemas.microsoft.com/office/drawing/2014/main" id="{91C362C9-27CC-20DB-5D3F-DB1270EBF0A0}"/>
+              </a:ext>
+            </a:extLst>
+          </p:cNvPr>
+          <p:cNvSpPr>
+            <a:spLocks noGrp="1"/>
+          </p:cNvSpPr>
+          <p:nvPr>
+            <p:ph type="title"/>
+          </p:nvPr>
+        </p:nvSpPr>
+        <p:spPr/>
+        <p:txBody>
+          <a:bodyPr>
+            <a:normAutofit/>
+          </a:bodyPr>
+          <a:lstStyle/>
+          <a:p>
+            <a:pPr algn="ctr"/>
+            <a:r>
+              <a:rPr lang="ko-KR" altLang="en-US" sz="4000" b="1" dirty="0">
+                <a:solidFill>
+                  <a:schemeClr val="bg1"/>
+                </a:solidFill>
+              </a:rPr>
+              <a:t> </a:t>
+            </a:r>
+            <a:r>
+              <a:rPr lang="en-US" altLang="ko-KR" sz="4000" b="1" dirty="0">
+                <a:solidFill>
+                  <a:schemeClr val="bg1"/>
+                </a:solidFill>
+              </a:rPr>
+              <a:t>Extended ACL(Access Control List)</a:t>
+            </a:r>
+            <a:endParaRPr lang="ko-KR" altLang="en-US" sz="4000" b="1" dirty="0">
+              <a:solidFill>
+                <a:schemeClr val="bg1"/>
+              </a:solidFill>
+            </a:endParaRPr>
+          </a:p>
+        </p:txBody>
+      </p:sp>
+      <p:sp>
+        <p:nvSpPr>
+          <p:cNvPr id="3" name="내용 개체 틀 2">
+            <a:extLst>
+              <a:ext uri="{FF2B5EF4-FFF2-40B4-BE49-F238E27FC236}">
+                <a16:creationId xmlns:a16="http://schemas.microsoft.com/office/drawing/2014/main" id="{2D0BE634-C587-C2FC-DD99-252F7B9250B9}"/>
+              </a:ext>
+            </a:extLst>
+          </p:cNvPr>
+          <p:cNvSpPr>
+            <a:spLocks noGrp="1"/>
+          </p:cNvSpPr>
+          <p:nvPr>
+            <p:ph idx="1"/>
+          </p:nvPr>
+        </p:nvSpPr>
+        <p:spPr>
+          <a:xfrm>
             <a:off x="4757304" y="1794452"/>
             <a:ext cx="2677391" cy="501939"/>
           </a:xfrm>
@@ -3580,6 +3924,36 @@
           </a:p>
         </p:txBody>
       </p:sp>
+      <p:pic>
+        <p:nvPicPr>
+          <p:cNvPr id="9" name="그림 8">
+            <a:extLst>
+              <a:ext uri="{FF2B5EF4-FFF2-40B4-BE49-F238E27FC236}">
+                <a16:creationId xmlns:a16="http://schemas.microsoft.com/office/drawing/2014/main" id="{793173F5-5E6C-B56F-0BF5-F8BA5277CC84}"/>
+              </a:ext>
+            </a:extLst>
+          </p:cNvPr>
+          <p:cNvPicPr>
+            <a:picLocks noChangeAspect="1"/>
+          </p:cNvPicPr>
+          <p:nvPr/>
+        </p:nvPicPr>
+        <p:blipFill>
+          <a:blip r:embed="rId2"/>
+          <a:stretch>
+            <a:fillRect/>
+          </a:stretch>
+        </p:blipFill>
+        <p:spPr>
+          <a:xfrm>
+            <a:off x="5452" y="3429000"/>
+            <a:ext cx="12186548" cy="1254171"/>
+          </a:xfrm>
+          <a:prstGeom prst="rect">
+            <a:avLst/>
+          </a:prstGeom>
+        </p:spPr>
+      </p:pic>
     </p:spTree>
     <p:extLst>
       <p:ext uri="{BB962C8B-B14F-4D97-AF65-F5344CB8AC3E}">
@@ -3593,7 +3967,211 @@
 </p:sld>
 </file>
 
-<file path=ppt/slides/slide11.xml><?xml version="1.0" encoding="utf-8"?>
+<file path=ppt/slides/slide13.xml><?xml version="1.0" encoding="utf-8"?>
+<p:sld xmlns:a="http://schemas.openxmlformats.org/drawingml/2006/main" xmlns:r="http://schemas.openxmlformats.org/officeDocument/2006/relationships" xmlns:p="http://schemas.openxmlformats.org/presentationml/2006/main">
+  <p:cSld>
+    <p:bg>
+      <p:bgPr>
+        <a:solidFill>
+          <a:schemeClr val="tx1"/>
+        </a:solidFill>
+        <a:effectLst/>
+      </p:bgPr>
+    </p:bg>
+    <p:spTree>
+      <p:nvGrpSpPr>
+        <p:cNvPr id="1" name=""/>
+        <p:cNvGrpSpPr/>
+        <p:nvPr/>
+      </p:nvGrpSpPr>
+      <p:grpSpPr>
+        <a:xfrm>
+          <a:off x="0" y="0"/>
+          <a:ext cx="0" cy="0"/>
+          <a:chOff x="0" y="0"/>
+          <a:chExt cx="0" cy="0"/>
+        </a:xfrm>
+      </p:grpSpPr>
+      <p:sp>
+        <p:nvSpPr>
+          <p:cNvPr id="2" name="제목 1">
+            <a:extLst>
+              <a:ext uri="{FF2B5EF4-FFF2-40B4-BE49-F238E27FC236}">
+                <a16:creationId xmlns:a16="http://schemas.microsoft.com/office/drawing/2014/main" id="{91C362C9-27CC-20DB-5D3F-DB1270EBF0A0}"/>
+              </a:ext>
+            </a:extLst>
+          </p:cNvPr>
+          <p:cNvSpPr>
+            <a:spLocks noGrp="1"/>
+          </p:cNvSpPr>
+          <p:nvPr>
+            <p:ph type="title"/>
+          </p:nvPr>
+        </p:nvSpPr>
+        <p:spPr/>
+        <p:txBody>
+          <a:bodyPr>
+            <a:normAutofit/>
+          </a:bodyPr>
+          <a:lstStyle/>
+          <a:p>
+            <a:pPr algn="ctr"/>
+            <a:r>
+              <a:rPr lang="ko-KR" altLang="en-US" sz="4000" b="1" dirty="0">
+                <a:solidFill>
+                  <a:schemeClr val="bg1"/>
+                </a:solidFill>
+              </a:rPr>
+              <a:t> </a:t>
+            </a:r>
+            <a:r>
+              <a:rPr lang="en-US" altLang="ko-KR" sz="4000" b="1" dirty="0">
+                <a:solidFill>
+                  <a:schemeClr val="bg1"/>
+                </a:solidFill>
+              </a:rPr>
+              <a:t>Extended ACL(Access Control List)</a:t>
+            </a:r>
+            <a:endParaRPr lang="ko-KR" altLang="en-US" sz="4000" b="1" dirty="0">
+              <a:solidFill>
+                <a:schemeClr val="bg1"/>
+              </a:solidFill>
+            </a:endParaRPr>
+          </a:p>
+        </p:txBody>
+      </p:sp>
+      <p:sp>
+        <p:nvSpPr>
+          <p:cNvPr id="3" name="내용 개체 틀 2">
+            <a:extLst>
+              <a:ext uri="{FF2B5EF4-FFF2-40B4-BE49-F238E27FC236}">
+                <a16:creationId xmlns:a16="http://schemas.microsoft.com/office/drawing/2014/main" id="{2D0BE634-C587-C2FC-DD99-252F7B9250B9}"/>
+              </a:ext>
+            </a:extLst>
+          </p:cNvPr>
+          <p:cNvSpPr>
+            <a:spLocks noGrp="1"/>
+          </p:cNvSpPr>
+          <p:nvPr>
+            <p:ph idx="1"/>
+          </p:nvPr>
+        </p:nvSpPr>
+        <p:spPr>
+          <a:xfrm>
+            <a:off x="4700154" y="1804843"/>
+            <a:ext cx="3332801" cy="501939"/>
+          </a:xfrm>
+        </p:spPr>
+        <p:txBody>
+          <a:bodyPr>
+            <a:normAutofit/>
+          </a:bodyPr>
+          <a:lstStyle/>
+          <a:p>
+            <a:pPr marL="0" indent="0">
+              <a:buNone/>
+            </a:pPr>
+            <a:r>
+              <a:rPr lang="ko-KR" altLang="en-US" sz="2000" b="1" dirty="0">
+                <a:solidFill>
+                  <a:schemeClr val="bg1"/>
+                </a:solidFill>
+              </a:rPr>
+              <a:t> </a:t>
+            </a:r>
+            <a:r>
+              <a:rPr lang="en-US" altLang="ko-KR" sz="2000" b="1" dirty="0">
+                <a:solidFill>
+                  <a:schemeClr val="bg1"/>
+                </a:solidFill>
+              </a:rPr>
+              <a:t>ACL </a:t>
+            </a:r>
+            <a:r>
+              <a:rPr lang="ko-KR" altLang="en-US" sz="2000" b="1" dirty="0">
+                <a:solidFill>
+                  <a:schemeClr val="bg1"/>
+                </a:solidFill>
+              </a:rPr>
+              <a:t>적용 명령어</a:t>
+            </a:r>
+          </a:p>
+        </p:txBody>
+      </p:sp>
+      <p:pic>
+        <p:nvPicPr>
+          <p:cNvPr id="6" name="그림 5">
+            <a:extLst>
+              <a:ext uri="{FF2B5EF4-FFF2-40B4-BE49-F238E27FC236}">
+                <a16:creationId xmlns:a16="http://schemas.microsoft.com/office/drawing/2014/main" id="{92BC98F5-A39A-0BF9-4F47-8CEE1D6EE789}"/>
+              </a:ext>
+            </a:extLst>
+          </p:cNvPr>
+          <p:cNvPicPr>
+            <a:picLocks noChangeAspect="1"/>
+          </p:cNvPicPr>
+          <p:nvPr/>
+        </p:nvPicPr>
+        <p:blipFill>
+          <a:blip r:embed="rId2"/>
+          <a:stretch>
+            <a:fillRect/>
+          </a:stretch>
+        </p:blipFill>
+        <p:spPr>
+          <a:xfrm>
+            <a:off x="486396" y="2665792"/>
+            <a:ext cx="3692238" cy="3399785"/>
+          </a:xfrm>
+          <a:prstGeom prst="rect">
+            <a:avLst/>
+          </a:prstGeom>
+        </p:spPr>
+      </p:pic>
+      <p:pic>
+        <p:nvPicPr>
+          <p:cNvPr id="11" name="그림 10">
+            <a:extLst>
+              <a:ext uri="{FF2B5EF4-FFF2-40B4-BE49-F238E27FC236}">
+                <a16:creationId xmlns:a16="http://schemas.microsoft.com/office/drawing/2014/main" id="{BB8689AE-6F2F-910E-5301-B8AB4B5B345E}"/>
+              </a:ext>
+            </a:extLst>
+          </p:cNvPr>
+          <p:cNvPicPr>
+            <a:picLocks noChangeAspect="1"/>
+          </p:cNvPicPr>
+          <p:nvPr/>
+        </p:nvPicPr>
+        <p:blipFill>
+          <a:blip r:embed="rId3"/>
+          <a:stretch>
+            <a:fillRect/>
+          </a:stretch>
+        </p:blipFill>
+        <p:spPr>
+          <a:xfrm>
+            <a:off x="4507830" y="3714156"/>
+            <a:ext cx="7291137" cy="1303055"/>
+          </a:xfrm>
+          <a:prstGeom prst="rect">
+            <a:avLst/>
+          </a:prstGeom>
+        </p:spPr>
+      </p:pic>
+    </p:spTree>
+    <p:extLst>
+      <p:ext uri="{BB962C8B-B14F-4D97-AF65-F5344CB8AC3E}">
+        <p14:creationId xmlns:p14="http://schemas.microsoft.com/office/powerpoint/2010/main" val="2846692917"/>
+      </p:ext>
+    </p:extLst>
+  </p:cSld>
+  <p:clrMapOvr>
+    <a:masterClrMapping/>
+  </p:clrMapOvr>
+</p:sld>
+</file>
+
+<file path=ppt/slides/slide14.xml><?xml version="1.0" encoding="utf-8"?>
 <p:sld xmlns:a="http://schemas.openxmlformats.org/drawingml/2006/main" xmlns:r="http://schemas.openxmlformats.org/officeDocument/2006/relationships" xmlns:p="http://schemas.openxmlformats.org/presentationml/2006/main">
   <p:cSld>
     <p:bg>
@@ -3940,7 +4518,7 @@
         </p:nvSpPr>
         <p:spPr>
           <a:xfrm>
-            <a:off x="5517857" y="5249760"/>
+            <a:off x="5517858" y="5249760"/>
             <a:ext cx="1156284" cy="369332"/>
           </a:xfrm>
           <a:prstGeom prst="rect">
@@ -4483,8 +5061,8 @@
         </p:nvSpPr>
         <p:spPr>
           <a:xfrm>
-            <a:off x="3467100" y="1690688"/>
-            <a:ext cx="5257800" cy="501939"/>
+            <a:off x="2102922" y="1620446"/>
+            <a:ext cx="7827041" cy="501939"/>
           </a:xfrm>
         </p:spPr>
         <p:txBody>
@@ -4536,6 +5114,693 @@
               </a:rPr>
               <a:t>방식</a:t>
             </a:r>
+            <a:r>
+              <a:rPr lang="en-US" altLang="ko-KR" sz="2000" b="1" dirty="0">
+                <a:solidFill>
+                  <a:schemeClr val="bg1"/>
+                </a:solidFill>
+              </a:rPr>
+              <a:t>(ACL number : 1 ~ 99)</a:t>
+            </a:r>
+            <a:endParaRPr lang="ko-KR" altLang="en-US" sz="2000" b="1" dirty="0">
+              <a:solidFill>
+                <a:schemeClr val="bg1"/>
+              </a:solidFill>
+            </a:endParaRPr>
+          </a:p>
+        </p:txBody>
+      </p:sp>
+      <p:pic>
+        <p:nvPicPr>
+          <p:cNvPr id="4" name="그래픽 3" descr="구름 윤곽선">
+            <a:extLst>
+              <a:ext uri="{FF2B5EF4-FFF2-40B4-BE49-F238E27FC236}">
+                <a16:creationId xmlns:a16="http://schemas.microsoft.com/office/drawing/2014/main" id="{D507EA20-80E6-3F25-024D-32085C290729}"/>
+              </a:ext>
+            </a:extLst>
+          </p:cNvPr>
+          <p:cNvPicPr>
+            <a:picLocks noChangeAspect="1"/>
+          </p:cNvPicPr>
+          <p:nvPr/>
+        </p:nvPicPr>
+        <p:blipFill>
+          <a:blip r:embed="rId2">
+            <a:extLst>
+              <a:ext uri="{28A0092B-C50C-407E-A947-70E740481C1C}">
+                <a14:useLocalDpi xmlns:a14="http://schemas.microsoft.com/office/drawing/2010/main" val="0"/>
+              </a:ext>
+              <a:ext uri="{96DAC541-7B7A-43D3-8B79-37D633B846F1}">
+                <asvg:svgBlip xmlns:asvg="http://schemas.microsoft.com/office/drawing/2016/SVG/main" r:embed="rId3"/>
+              </a:ext>
+            </a:extLst>
+          </a:blip>
+          <a:stretch>
+            <a:fillRect/>
+          </a:stretch>
+        </p:blipFill>
+        <p:spPr>
+          <a:xfrm>
+            <a:off x="4365163" y="1787353"/>
+            <a:ext cx="3461673" cy="3461673"/>
+          </a:xfrm>
+          <a:prstGeom prst="rect">
+            <a:avLst/>
+          </a:prstGeom>
+        </p:spPr>
+      </p:pic>
+      <p:pic>
+        <p:nvPicPr>
+          <p:cNvPr id="5" name="그래픽 4" descr="사용자 윤곽선">
+            <a:extLst>
+              <a:ext uri="{FF2B5EF4-FFF2-40B4-BE49-F238E27FC236}">
+                <a16:creationId xmlns:a16="http://schemas.microsoft.com/office/drawing/2014/main" id="{1193FD0B-DE19-479F-9967-B02912A815A7}"/>
+              </a:ext>
+            </a:extLst>
+          </p:cNvPr>
+          <p:cNvPicPr>
+            <a:picLocks noChangeAspect="1"/>
+          </p:cNvPicPr>
+          <p:nvPr/>
+        </p:nvPicPr>
+        <p:blipFill>
+          <a:blip r:embed="rId4">
+            <a:extLst>
+              <a:ext uri="{28A0092B-C50C-407E-A947-70E740481C1C}">
+                <a14:useLocalDpi xmlns:a14="http://schemas.microsoft.com/office/drawing/2010/main" val="0"/>
+              </a:ext>
+              <a:ext uri="{96DAC541-7B7A-43D3-8B79-37D633B846F1}">
+                <asvg:svgBlip xmlns:asvg="http://schemas.microsoft.com/office/drawing/2016/SVG/main" r:embed="rId5"/>
+              </a:ext>
+            </a:extLst>
+          </a:blip>
+          <a:stretch>
+            <a:fillRect/>
+          </a:stretch>
+        </p:blipFill>
+        <p:spPr>
+          <a:xfrm>
+            <a:off x="983755" y="3881864"/>
+            <a:ext cx="1737073" cy="1737073"/>
+          </a:xfrm>
+          <a:prstGeom prst="rect">
+            <a:avLst/>
+          </a:prstGeom>
+        </p:spPr>
+      </p:pic>
+      <p:pic>
+        <p:nvPicPr>
+          <p:cNvPr id="7" name="그래픽 6" descr="무선 라우터 윤곽선">
+            <a:extLst>
+              <a:ext uri="{FF2B5EF4-FFF2-40B4-BE49-F238E27FC236}">
+                <a16:creationId xmlns:a16="http://schemas.microsoft.com/office/drawing/2014/main" id="{BFCF71C8-88A5-D850-0BD3-048BFBADBFB7}"/>
+              </a:ext>
+            </a:extLst>
+          </p:cNvPr>
+          <p:cNvPicPr>
+            <a:picLocks noChangeAspect="1"/>
+          </p:cNvPicPr>
+          <p:nvPr/>
+        </p:nvPicPr>
+        <p:blipFill>
+          <a:blip r:embed="rId6">
+            <a:extLst>
+              <a:ext uri="{28A0092B-C50C-407E-A947-70E740481C1C}">
+                <a14:useLocalDpi xmlns:a14="http://schemas.microsoft.com/office/drawing/2010/main" val="0"/>
+              </a:ext>
+              <a:ext uri="{96DAC541-7B7A-43D3-8B79-37D633B846F1}">
+                <asvg:svgBlip xmlns:asvg="http://schemas.microsoft.com/office/drawing/2016/SVG/main" r:embed="rId7"/>
+              </a:ext>
+            </a:extLst>
+          </a:blip>
+          <a:stretch>
+            <a:fillRect/>
+          </a:stretch>
+        </p:blipFill>
+        <p:spPr>
+          <a:xfrm>
+            <a:off x="9340855" y="2705292"/>
+            <a:ext cx="1788695" cy="1788695"/>
+          </a:xfrm>
+          <a:prstGeom prst="rect">
+            <a:avLst/>
+          </a:prstGeom>
+        </p:spPr>
+      </p:pic>
+      <p:sp>
+        <p:nvSpPr>
+          <p:cNvPr id="8" name="TextBox 7">
+            <a:extLst>
+              <a:ext uri="{FF2B5EF4-FFF2-40B4-BE49-F238E27FC236}">
+                <a16:creationId xmlns:a16="http://schemas.microsoft.com/office/drawing/2014/main" id="{B61904BA-FA6D-1A0C-00D8-468A3D55501D}"/>
+              </a:ext>
+            </a:extLst>
+          </p:cNvPr>
+          <p:cNvSpPr txBox="1"/>
+          <p:nvPr/>
+        </p:nvSpPr>
+        <p:spPr>
+          <a:xfrm>
+            <a:off x="5349728" y="3481477"/>
+            <a:ext cx="1492541" cy="477054"/>
+          </a:xfrm>
+          <a:prstGeom prst="rect">
+            <a:avLst/>
+          </a:prstGeom>
+          <a:noFill/>
+        </p:spPr>
+        <p:txBody>
+          <a:bodyPr wrap="square" rtlCol="0">
+            <a:spAutoFit/>
+          </a:bodyPr>
+          <a:lstStyle/>
+          <a:p>
+            <a:r>
+              <a:rPr lang="en-US" altLang="ko-KR" sz="2500" b="1" dirty="0">
+                <a:solidFill>
+                  <a:schemeClr val="bg1"/>
+                </a:solidFill>
+              </a:rPr>
+              <a:t>Network</a:t>
+            </a:r>
+            <a:endParaRPr lang="ko-KR" altLang="en-US" sz="2500" b="1" dirty="0">
+              <a:solidFill>
+                <a:schemeClr val="bg1"/>
+              </a:solidFill>
+            </a:endParaRPr>
+          </a:p>
+        </p:txBody>
+      </p:sp>
+      <p:pic>
+        <p:nvPicPr>
+          <p:cNvPr id="9" name="그래픽 8" descr="체크리스트 단색으로 채워진">
+            <a:extLst>
+              <a:ext uri="{FF2B5EF4-FFF2-40B4-BE49-F238E27FC236}">
+                <a16:creationId xmlns:a16="http://schemas.microsoft.com/office/drawing/2014/main" id="{30BBD0DF-923E-1F28-86FF-5C63FDD1888F}"/>
+              </a:ext>
+            </a:extLst>
+          </p:cNvPr>
+          <p:cNvPicPr>
+            <a:picLocks noChangeAspect="1"/>
+          </p:cNvPicPr>
+          <p:nvPr/>
+        </p:nvPicPr>
+        <p:blipFill>
+          <a:blip r:embed="rId8">
+            <a:extLst>
+              <a:ext uri="{28A0092B-C50C-407E-A947-70E740481C1C}">
+                <a14:useLocalDpi xmlns:a14="http://schemas.microsoft.com/office/drawing/2010/main" val="0"/>
+              </a:ext>
+              <a:ext uri="{96DAC541-7B7A-43D3-8B79-37D633B846F1}">
+                <asvg:svgBlip xmlns:asvg="http://schemas.microsoft.com/office/drawing/2016/SVG/main" r:embed="rId9"/>
+              </a:ext>
+            </a:extLst>
+          </a:blip>
+          <a:stretch>
+            <a:fillRect/>
+          </a:stretch>
+        </p:blipFill>
+        <p:spPr>
+          <a:xfrm>
+            <a:off x="4331654" y="4853087"/>
+            <a:ext cx="1684789" cy="1684789"/>
+          </a:xfrm>
+          <a:prstGeom prst="rect">
+            <a:avLst/>
+          </a:prstGeom>
+        </p:spPr>
+      </p:pic>
+      <p:cxnSp>
+        <p:nvCxnSpPr>
+          <p:cNvPr id="10" name="직선 화살표 연결선 9">
+            <a:extLst>
+              <a:ext uri="{FF2B5EF4-FFF2-40B4-BE49-F238E27FC236}">
+                <a16:creationId xmlns:a16="http://schemas.microsoft.com/office/drawing/2014/main" id="{65DAA7A0-D82D-42DE-B868-7EB0865928E9}"/>
+              </a:ext>
+            </a:extLst>
+          </p:cNvPr>
+          <p:cNvCxnSpPr>
+            <a:cxnSpLocks/>
+          </p:cNvCxnSpPr>
+          <p:nvPr/>
+        </p:nvCxnSpPr>
+        <p:spPr>
+          <a:xfrm>
+            <a:off x="2943726" y="3056021"/>
+            <a:ext cx="1329926" cy="663983"/>
+          </a:xfrm>
+          <a:prstGeom prst="straightConnector1">
+            <a:avLst/>
+          </a:prstGeom>
+          <a:ln w="76200">
+            <a:solidFill>
+              <a:schemeClr val="bg1"/>
+            </a:solidFill>
+            <a:tailEnd type="triangle"/>
+          </a:ln>
+        </p:spPr>
+        <p:style>
+          <a:lnRef idx="1">
+            <a:schemeClr val="accent1"/>
+          </a:lnRef>
+          <a:fillRef idx="0">
+            <a:schemeClr val="accent1"/>
+          </a:fillRef>
+          <a:effectRef idx="0">
+            <a:schemeClr val="accent1"/>
+          </a:effectRef>
+          <a:fontRef idx="minor">
+            <a:schemeClr val="tx1"/>
+          </a:fontRef>
+        </p:style>
+      </p:cxnSp>
+      <p:cxnSp>
+        <p:nvCxnSpPr>
+          <p:cNvPr id="12" name="직선 화살표 연결선 11">
+            <a:extLst>
+              <a:ext uri="{FF2B5EF4-FFF2-40B4-BE49-F238E27FC236}">
+                <a16:creationId xmlns:a16="http://schemas.microsoft.com/office/drawing/2014/main" id="{3FF4AD31-D891-FEF7-2C27-E7C9332FB385}"/>
+              </a:ext>
+            </a:extLst>
+          </p:cNvPr>
+          <p:cNvCxnSpPr>
+            <a:cxnSpLocks/>
+          </p:cNvCxnSpPr>
+          <p:nvPr/>
+        </p:nvCxnSpPr>
+        <p:spPr>
+          <a:xfrm>
+            <a:off x="7826836" y="3720004"/>
+            <a:ext cx="1309521" cy="0"/>
+          </a:xfrm>
+          <a:prstGeom prst="straightConnector1">
+            <a:avLst/>
+          </a:prstGeom>
+          <a:ln w="76200">
+            <a:solidFill>
+              <a:schemeClr val="bg1"/>
+            </a:solidFill>
+            <a:tailEnd type="triangle"/>
+          </a:ln>
+        </p:spPr>
+        <p:style>
+          <a:lnRef idx="1">
+            <a:schemeClr val="accent1"/>
+          </a:lnRef>
+          <a:fillRef idx="0">
+            <a:schemeClr val="accent1"/>
+          </a:fillRef>
+          <a:effectRef idx="0">
+            <a:schemeClr val="accent1"/>
+          </a:effectRef>
+          <a:fontRef idx="minor">
+            <a:schemeClr val="tx1"/>
+          </a:fontRef>
+        </p:style>
+      </p:cxnSp>
+      <p:sp>
+        <p:nvSpPr>
+          <p:cNvPr id="13" name="TextBox 12">
+            <a:extLst>
+              <a:ext uri="{FF2B5EF4-FFF2-40B4-BE49-F238E27FC236}">
+                <a16:creationId xmlns:a16="http://schemas.microsoft.com/office/drawing/2014/main" id="{DF54C64A-3914-8148-D4DD-AB1EDF234B4A}"/>
+              </a:ext>
+            </a:extLst>
+          </p:cNvPr>
+          <p:cNvSpPr txBox="1"/>
+          <p:nvPr/>
+        </p:nvSpPr>
+        <p:spPr>
+          <a:xfrm>
+            <a:off x="5757879" y="5380410"/>
+            <a:ext cx="2168779" cy="477054"/>
+          </a:xfrm>
+          <a:prstGeom prst="rect">
+            <a:avLst/>
+          </a:prstGeom>
+          <a:noFill/>
+        </p:spPr>
+        <p:txBody>
+          <a:bodyPr wrap="square" rtlCol="0">
+            <a:spAutoFit/>
+          </a:bodyPr>
+          <a:lstStyle/>
+          <a:p>
+            <a:r>
+              <a:rPr lang="en-US" altLang="ko-KR" sz="2500" b="1" dirty="0">
+                <a:solidFill>
+                  <a:schemeClr val="bg1"/>
+                </a:solidFill>
+              </a:rPr>
+              <a:t>192.168.0.24</a:t>
+            </a:r>
+            <a:endParaRPr lang="ko-KR" altLang="en-US" sz="2500" b="1" dirty="0">
+              <a:solidFill>
+                <a:schemeClr val="bg1"/>
+              </a:solidFill>
+            </a:endParaRPr>
+          </a:p>
+        </p:txBody>
+      </p:sp>
+      <p:sp>
+        <p:nvSpPr>
+          <p:cNvPr id="14" name="TextBox 13">
+            <a:extLst>
+              <a:ext uri="{FF2B5EF4-FFF2-40B4-BE49-F238E27FC236}">
+                <a16:creationId xmlns:a16="http://schemas.microsoft.com/office/drawing/2014/main" id="{7DA2B343-0F65-C6CF-9C49-AFCECBE8FB5F}"/>
+              </a:ext>
+            </a:extLst>
+          </p:cNvPr>
+          <p:cNvSpPr txBox="1"/>
+          <p:nvPr/>
+        </p:nvSpPr>
+        <p:spPr>
+          <a:xfrm>
+            <a:off x="4664676" y="4550964"/>
+            <a:ext cx="1225824" cy="400110"/>
+          </a:xfrm>
+          <a:prstGeom prst="rect">
+            <a:avLst/>
+          </a:prstGeom>
+          <a:noFill/>
+        </p:spPr>
+        <p:txBody>
+          <a:bodyPr wrap="square" rtlCol="0">
+            <a:spAutoFit/>
+          </a:bodyPr>
+          <a:lstStyle/>
+          <a:p>
+            <a:r>
+              <a:rPr lang="en-US" altLang="ko-KR" sz="2000" b="1" dirty="0">
+                <a:solidFill>
+                  <a:schemeClr val="bg1"/>
+                </a:solidFill>
+              </a:rPr>
+              <a:t>ACL 10</a:t>
+            </a:r>
+            <a:endParaRPr lang="ko-KR" altLang="en-US" sz="2000" b="1" dirty="0">
+              <a:solidFill>
+                <a:schemeClr val="bg1"/>
+              </a:solidFill>
+            </a:endParaRPr>
+          </a:p>
+        </p:txBody>
+      </p:sp>
+      <p:cxnSp>
+        <p:nvCxnSpPr>
+          <p:cNvPr id="16" name="직선 화살표 연결선 15">
+            <a:extLst>
+              <a:ext uri="{FF2B5EF4-FFF2-40B4-BE49-F238E27FC236}">
+                <a16:creationId xmlns:a16="http://schemas.microsoft.com/office/drawing/2014/main" id="{5736FC06-E5A2-B660-F3B6-FB6005009347}"/>
+              </a:ext>
+            </a:extLst>
+          </p:cNvPr>
+          <p:cNvCxnSpPr>
+            <a:cxnSpLocks/>
+          </p:cNvCxnSpPr>
+          <p:nvPr/>
+        </p:nvCxnSpPr>
+        <p:spPr>
+          <a:xfrm flipV="1">
+            <a:off x="2943191" y="4263622"/>
+            <a:ext cx="1319723" cy="574685"/>
+          </a:xfrm>
+          <a:prstGeom prst="straightConnector1">
+            <a:avLst/>
+          </a:prstGeom>
+          <a:ln w="76200">
+            <a:solidFill>
+              <a:schemeClr val="bg1"/>
+            </a:solidFill>
+            <a:tailEnd type="triangle"/>
+          </a:ln>
+        </p:spPr>
+        <p:style>
+          <a:lnRef idx="1">
+            <a:schemeClr val="accent1"/>
+          </a:lnRef>
+          <a:fillRef idx="0">
+            <a:schemeClr val="accent1"/>
+          </a:fillRef>
+          <a:effectRef idx="0">
+            <a:schemeClr val="accent1"/>
+          </a:effectRef>
+          <a:fontRef idx="minor">
+            <a:schemeClr val="tx1"/>
+          </a:fontRef>
+        </p:style>
+      </p:cxnSp>
+      <p:pic>
+        <p:nvPicPr>
+          <p:cNvPr id="18" name="그래픽 17" descr="사용자 윤곽선">
+            <a:extLst>
+              <a:ext uri="{FF2B5EF4-FFF2-40B4-BE49-F238E27FC236}">
+                <a16:creationId xmlns:a16="http://schemas.microsoft.com/office/drawing/2014/main" id="{C9E37CC0-39EF-72FD-6967-9FD8AFD67AF7}"/>
+              </a:ext>
+            </a:extLst>
+          </p:cNvPr>
+          <p:cNvPicPr>
+            <a:picLocks noChangeAspect="1"/>
+          </p:cNvPicPr>
+          <p:nvPr/>
+        </p:nvPicPr>
+        <p:blipFill>
+          <a:blip r:embed="rId4">
+            <a:extLst>
+              <a:ext uri="{28A0092B-C50C-407E-A947-70E740481C1C}">
+                <a14:useLocalDpi xmlns:a14="http://schemas.microsoft.com/office/drawing/2010/main" val="0"/>
+              </a:ext>
+              <a:ext uri="{96DAC541-7B7A-43D3-8B79-37D633B846F1}">
+                <asvg:svgBlip xmlns:asvg="http://schemas.microsoft.com/office/drawing/2016/SVG/main" r:embed="rId5"/>
+              </a:ext>
+            </a:extLst>
+          </a:blip>
+          <a:stretch>
+            <a:fillRect/>
+          </a:stretch>
+        </p:blipFill>
+        <p:spPr>
+          <a:xfrm>
+            <a:off x="897860" y="1989209"/>
+            <a:ext cx="1737073" cy="1737073"/>
+          </a:xfrm>
+          <a:prstGeom prst="rect">
+            <a:avLst/>
+          </a:prstGeom>
+        </p:spPr>
+      </p:pic>
+      <p:sp>
+        <p:nvSpPr>
+          <p:cNvPr id="19" name="TextBox 18">
+            <a:extLst>
+              <a:ext uri="{FF2B5EF4-FFF2-40B4-BE49-F238E27FC236}">
+                <a16:creationId xmlns:a16="http://schemas.microsoft.com/office/drawing/2014/main" id="{52550D43-27BD-CD48-19BF-4499FADEBCAE}"/>
+              </a:ext>
+            </a:extLst>
+          </p:cNvPr>
+          <p:cNvSpPr txBox="1"/>
+          <p:nvPr/>
+        </p:nvSpPr>
+        <p:spPr>
+          <a:xfrm>
+            <a:off x="943615" y="3512492"/>
+            <a:ext cx="1737074" cy="400110"/>
+          </a:xfrm>
+          <a:prstGeom prst="rect">
+            <a:avLst/>
+          </a:prstGeom>
+          <a:noFill/>
+        </p:spPr>
+        <p:txBody>
+          <a:bodyPr wrap="square" rtlCol="0">
+            <a:spAutoFit/>
+          </a:bodyPr>
+          <a:lstStyle/>
+          <a:p>
+            <a:r>
+              <a:rPr lang="en-US" altLang="ko-KR" sz="2000" b="1" dirty="0">
+                <a:solidFill>
+                  <a:schemeClr val="bg1"/>
+                </a:solidFill>
+              </a:rPr>
+              <a:t>192.168.0.24</a:t>
+            </a:r>
+            <a:endParaRPr lang="ko-KR" altLang="en-US" sz="2000" b="1" dirty="0">
+              <a:solidFill>
+                <a:schemeClr val="bg1"/>
+              </a:solidFill>
+            </a:endParaRPr>
+          </a:p>
+        </p:txBody>
+      </p:sp>
+      <p:sp>
+        <p:nvSpPr>
+          <p:cNvPr id="20" name="TextBox 19">
+            <a:extLst>
+              <a:ext uri="{FF2B5EF4-FFF2-40B4-BE49-F238E27FC236}">
+                <a16:creationId xmlns:a16="http://schemas.microsoft.com/office/drawing/2014/main" id="{0CB6275C-AC89-C84A-31EA-858F9A129499}"/>
+              </a:ext>
+            </a:extLst>
+          </p:cNvPr>
+          <p:cNvSpPr txBox="1"/>
+          <p:nvPr/>
+        </p:nvSpPr>
+        <p:spPr>
+          <a:xfrm>
+            <a:off x="966994" y="5450727"/>
+            <a:ext cx="1737074" cy="400110"/>
+          </a:xfrm>
+          <a:prstGeom prst="rect">
+            <a:avLst/>
+          </a:prstGeom>
+          <a:noFill/>
+        </p:spPr>
+        <p:txBody>
+          <a:bodyPr wrap="square" rtlCol="0">
+            <a:spAutoFit/>
+          </a:bodyPr>
+          <a:lstStyle/>
+          <a:p>
+            <a:r>
+              <a:rPr lang="en-US" altLang="ko-KR" sz="2000" b="1" dirty="0">
+                <a:solidFill>
+                  <a:schemeClr val="bg1"/>
+                </a:solidFill>
+              </a:rPr>
+              <a:t>192.168.1.24</a:t>
+            </a:r>
+            <a:endParaRPr lang="ko-KR" altLang="en-US" sz="2000" b="1" dirty="0">
+              <a:solidFill>
+                <a:schemeClr val="bg1"/>
+              </a:solidFill>
+            </a:endParaRPr>
+          </a:p>
+        </p:txBody>
+      </p:sp>
+      <p:pic>
+        <p:nvPicPr>
+          <p:cNvPr id="22" name="그래픽 21" descr="체크리스트 단색으로 채워진">
+            <a:extLst>
+              <a:ext uri="{FF2B5EF4-FFF2-40B4-BE49-F238E27FC236}">
+                <a16:creationId xmlns:a16="http://schemas.microsoft.com/office/drawing/2014/main" id="{FBA1507E-34B8-1664-603C-2A54FF1A4F74}"/>
+              </a:ext>
+            </a:extLst>
+          </p:cNvPr>
+          <p:cNvPicPr>
+            <a:picLocks noChangeAspect="1"/>
+          </p:cNvPicPr>
+          <p:nvPr/>
+        </p:nvPicPr>
+        <p:blipFill>
+          <a:blip r:embed="rId8">
+            <a:extLst>
+              <a:ext uri="{28A0092B-C50C-407E-A947-70E740481C1C}">
+                <a14:useLocalDpi xmlns:a14="http://schemas.microsoft.com/office/drawing/2010/main" val="0"/>
+              </a:ext>
+              <a:ext uri="{96DAC541-7B7A-43D3-8B79-37D633B846F1}">
+                <asvg:svgBlip xmlns:asvg="http://schemas.microsoft.com/office/drawing/2016/SVG/main" r:embed="rId9"/>
+              </a:ext>
+            </a:extLst>
+          </a:blip>
+          <a:stretch>
+            <a:fillRect/>
+          </a:stretch>
+        </p:blipFill>
+        <p:spPr>
+          <a:xfrm>
+            <a:off x="8004379" y="4808387"/>
+            <a:ext cx="1684789" cy="1684789"/>
+          </a:xfrm>
+          <a:prstGeom prst="rect">
+            <a:avLst/>
+          </a:prstGeom>
+        </p:spPr>
+      </p:pic>
+      <p:sp>
+        <p:nvSpPr>
+          <p:cNvPr id="23" name="TextBox 22">
+            <a:extLst>
+              <a:ext uri="{FF2B5EF4-FFF2-40B4-BE49-F238E27FC236}">
+                <a16:creationId xmlns:a16="http://schemas.microsoft.com/office/drawing/2014/main" id="{23684627-701B-8FEC-7332-F04B3706D2D6}"/>
+              </a:ext>
+            </a:extLst>
+          </p:cNvPr>
+          <p:cNvSpPr txBox="1"/>
+          <p:nvPr/>
+        </p:nvSpPr>
+        <p:spPr>
+          <a:xfrm>
+            <a:off x="8331242" y="4550345"/>
+            <a:ext cx="1225824" cy="400110"/>
+          </a:xfrm>
+          <a:prstGeom prst="rect">
+            <a:avLst/>
+          </a:prstGeom>
+          <a:noFill/>
+        </p:spPr>
+        <p:txBody>
+          <a:bodyPr wrap="square" rtlCol="0">
+            <a:spAutoFit/>
+          </a:bodyPr>
+          <a:lstStyle/>
+          <a:p>
+            <a:r>
+              <a:rPr lang="en-US" altLang="ko-KR" sz="2000" b="1" dirty="0">
+                <a:solidFill>
+                  <a:schemeClr val="bg1"/>
+                </a:solidFill>
+              </a:rPr>
+              <a:t>ACL 20</a:t>
+            </a:r>
+            <a:endParaRPr lang="ko-KR" altLang="en-US" sz="2000" b="1" dirty="0">
+              <a:solidFill>
+                <a:schemeClr val="bg1"/>
+              </a:solidFill>
+            </a:endParaRPr>
+          </a:p>
+        </p:txBody>
+      </p:sp>
+      <p:sp>
+        <p:nvSpPr>
+          <p:cNvPr id="24" name="TextBox 23">
+            <a:extLst>
+              <a:ext uri="{FF2B5EF4-FFF2-40B4-BE49-F238E27FC236}">
+                <a16:creationId xmlns:a16="http://schemas.microsoft.com/office/drawing/2014/main" id="{0DBCFAE8-0004-0F85-E26D-0AE79329EC9A}"/>
+              </a:ext>
+            </a:extLst>
+          </p:cNvPr>
+          <p:cNvSpPr txBox="1"/>
+          <p:nvPr/>
+        </p:nvSpPr>
+        <p:spPr>
+          <a:xfrm>
+            <a:off x="9352883" y="5412254"/>
+            <a:ext cx="2168779" cy="477054"/>
+          </a:xfrm>
+          <a:prstGeom prst="rect">
+            <a:avLst/>
+          </a:prstGeom>
+          <a:noFill/>
+        </p:spPr>
+        <p:txBody>
+          <a:bodyPr wrap="square" rtlCol="0">
+            <a:spAutoFit/>
+          </a:bodyPr>
+          <a:lstStyle/>
+          <a:p>
+            <a:r>
+              <a:rPr lang="en-US" altLang="ko-KR" sz="2500" b="1" dirty="0">
+                <a:solidFill>
+                  <a:schemeClr val="bg1"/>
+                </a:solidFill>
+              </a:rPr>
+              <a:t>192.168.1.24</a:t>
+            </a:r>
+            <a:endParaRPr lang="ko-KR" altLang="en-US" sz="2500" b="1" dirty="0">
+              <a:solidFill>
+                <a:schemeClr val="bg1"/>
+              </a:solidFill>
+            </a:endParaRPr>
           </a:p>
         </p:txBody>
       </p:sp>
@@ -4607,7 +5872,7 @@
                   <a:schemeClr val="bg1"/>
                 </a:solidFill>
               </a:rPr>
-              <a:t>Inbound</a:t>
+              <a:t>Inbound ACL</a:t>
             </a:r>
             <a:endParaRPr lang="ko-KR" altLang="en-US" sz="4000" b="1" dirty="0">
               <a:solidFill>
@@ -4633,29 +5898,45 @@
             <p:ph idx="1"/>
           </p:nvPr>
         </p:nvSpPr>
-        <p:spPr/>
+        <p:spPr>
+          <a:xfrm>
+            <a:off x="838200" y="1825625"/>
+            <a:ext cx="10515600" cy="476417"/>
+          </a:xfrm>
+        </p:spPr>
         <p:txBody>
           <a:bodyPr>
             <a:normAutofit/>
           </a:bodyPr>
           <a:lstStyle/>
           <a:p>
-            <a:pPr marL="0" indent="0">
+            <a:pPr marL="0" indent="0" algn="ctr">
               <a:buNone/>
             </a:pPr>
             <a:r>
-              <a:rPr lang="en-US" altLang="ko-KR" sz="2000" b="1" dirty="0" err="1">
-                <a:solidFill>
-                  <a:schemeClr val="bg1"/>
-                </a:solidFill>
-              </a:rPr>
-              <a:t>asdd</a:t>
-            </a:r>
-            <a:endParaRPr lang="ko-KR" altLang="en-US" sz="2000" b="1" dirty="0">
-              <a:solidFill>
-                <a:schemeClr val="bg1"/>
-              </a:solidFill>
-            </a:endParaRPr>
+              <a:rPr lang="ko-KR" altLang="en-US" sz="2000" b="1" dirty="0">
+                <a:solidFill>
+                  <a:schemeClr val="bg1"/>
+                </a:solidFill>
+              </a:rPr>
+              <a:t>데이터 패킷이 네트워크 내부로 들어오는 방향의 </a:t>
+            </a:r>
+            <a:r>
+              <a:rPr lang="en-US" altLang="ko-KR" sz="2000" b="1" dirty="0">
+                <a:solidFill>
+                  <a:schemeClr val="bg1"/>
+                </a:solidFill>
+              </a:rPr>
+              <a:t>ACL</a:t>
+            </a:r>
+            <a:r>
+              <a:rPr lang="ko-KR" altLang="en-US" sz="2000" b="1" dirty="0">
+                <a:solidFill>
+                  <a:schemeClr val="bg1"/>
+                </a:solidFill>
+              </a:rPr>
+              <a:t> </a:t>
+            </a:r>
           </a:p>
         </p:txBody>
       </p:sp>
@@ -4688,7 +5969,7 @@
         </p:blipFill>
         <p:spPr bwMode="auto">
           <a:xfrm>
-            <a:off x="2141790" y="2150918"/>
+            <a:off x="1489995" y="2158939"/>
             <a:ext cx="9212010" cy="4530437"/>
           </a:xfrm>
           <a:prstGeom prst="rect">
@@ -4774,7 +6055,7 @@
                   <a:schemeClr val="bg1"/>
                 </a:solidFill>
               </a:rPr>
-              <a:t>Outbound</a:t>
+              <a:t>Outbound ACL</a:t>
             </a:r>
             <a:endParaRPr lang="ko-KR" altLang="en-US" sz="4000" b="1" dirty="0">
               <a:solidFill>
@@ -4800,29 +6081,45 @@
             <p:ph idx="1"/>
           </p:nvPr>
         </p:nvSpPr>
-        <p:spPr/>
+        <p:spPr>
+          <a:xfrm>
+            <a:off x="838200" y="1825625"/>
+            <a:ext cx="10515600" cy="444864"/>
+          </a:xfrm>
+        </p:spPr>
         <p:txBody>
           <a:bodyPr>
             <a:normAutofit/>
           </a:bodyPr>
           <a:lstStyle/>
           <a:p>
-            <a:pPr marL="0" indent="0">
+            <a:pPr marL="0" indent="0" algn="ctr">
               <a:buNone/>
             </a:pPr>
             <a:r>
-              <a:rPr lang="en-US" altLang="ko-KR" sz="2000" b="1" dirty="0" err="1">
-                <a:solidFill>
-                  <a:schemeClr val="bg1"/>
-                </a:solidFill>
-              </a:rPr>
-              <a:t>asdd</a:t>
-            </a:r>
-            <a:endParaRPr lang="ko-KR" altLang="en-US" sz="2000" b="1" dirty="0">
-              <a:solidFill>
-                <a:schemeClr val="bg1"/>
-              </a:solidFill>
-            </a:endParaRPr>
+              <a:rPr lang="ko-KR" altLang="en-US" sz="2000" b="1" dirty="0">
+                <a:solidFill>
+                  <a:schemeClr val="bg1"/>
+                </a:solidFill>
+              </a:rPr>
+              <a:t>데이터 패킷이 네트워크 외부로 나가는 방향의 </a:t>
+            </a:r>
+            <a:r>
+              <a:rPr lang="en-US" altLang="ko-KR" sz="2000" b="1" dirty="0">
+                <a:solidFill>
+                  <a:schemeClr val="bg1"/>
+                </a:solidFill>
+              </a:rPr>
+              <a:t>ACL</a:t>
+            </a:r>
+            <a:r>
+              <a:rPr lang="ko-KR" altLang="en-US" sz="2000" b="1" dirty="0">
+                <a:solidFill>
+                  <a:schemeClr val="bg1"/>
+                </a:solidFill>
+              </a:rPr>
+              <a:t> </a:t>
+            </a:r>
           </a:p>
         </p:txBody>
       </p:sp>
@@ -5033,6 +6330,36 @@
           </a:p>
         </p:txBody>
       </p:sp>
+      <p:pic>
+        <p:nvPicPr>
+          <p:cNvPr id="5" name="그림 4">
+            <a:extLst>
+              <a:ext uri="{FF2B5EF4-FFF2-40B4-BE49-F238E27FC236}">
+                <a16:creationId xmlns:a16="http://schemas.microsoft.com/office/drawing/2014/main" id="{77091BF0-E827-8447-0096-F968A2DEC0B1}"/>
+              </a:ext>
+            </a:extLst>
+          </p:cNvPr>
+          <p:cNvPicPr>
+            <a:picLocks noChangeAspect="1"/>
+          </p:cNvPicPr>
+          <p:nvPr/>
+        </p:nvPicPr>
+        <p:blipFill>
+          <a:blip r:embed="rId2"/>
+          <a:stretch>
+            <a:fillRect/>
+          </a:stretch>
+        </p:blipFill>
+        <p:spPr>
+          <a:xfrm>
+            <a:off x="2601926" y="2420937"/>
+            <a:ext cx="6988146" cy="4183743"/>
+          </a:xfrm>
+          <a:prstGeom prst="rect">
+            <a:avLst/>
+          </a:prstGeom>
+        </p:spPr>
+      </p:pic>
     </p:spTree>
     <p:extLst>
       <p:ext uri="{BB962C8B-B14F-4D97-AF65-F5344CB8AC3E}">
@@ -5193,6 +6520,36 @@
           </a:p>
         </p:txBody>
       </p:sp>
+      <p:pic>
+        <p:nvPicPr>
+          <p:cNvPr id="15" name="그림 14">
+            <a:extLst>
+              <a:ext uri="{FF2B5EF4-FFF2-40B4-BE49-F238E27FC236}">
+                <a16:creationId xmlns:a16="http://schemas.microsoft.com/office/drawing/2014/main" id="{39295CE4-7E3F-99F6-C284-86573E0813B1}"/>
+              </a:ext>
+            </a:extLst>
+          </p:cNvPr>
+          <p:cNvPicPr>
+            <a:picLocks noChangeAspect="1"/>
+          </p:cNvPicPr>
+          <p:nvPr/>
+        </p:nvPicPr>
+        <p:blipFill>
+          <a:blip r:embed="rId2"/>
+          <a:stretch>
+            <a:fillRect/>
+          </a:stretch>
+        </p:blipFill>
+        <p:spPr>
+          <a:xfrm>
+            <a:off x="968476" y="3017016"/>
+            <a:ext cx="10255045" cy="1373009"/>
+          </a:xfrm>
+          <a:prstGeom prst="rect">
+            <a:avLst/>
+          </a:prstGeom>
+        </p:spPr>
+      </p:pic>
     </p:spTree>
     <p:extLst>
       <p:ext uri="{BB962C8B-B14F-4D97-AF65-F5344CB8AC3E}">
@@ -5261,7 +6618,7 @@
                   <a:schemeClr val="bg1"/>
                 </a:solidFill>
               </a:rPr>
-              <a:t>Extended</a:t>
+              <a:t>Standard</a:t>
             </a:r>
             <a:r>
               <a:rPr lang="ko-KR" altLang="en-US" sz="4000" b="1" dirty="0">
@@ -5303,23 +6660,150 @@
             <p:ph idx="1"/>
           </p:nvPr>
         </p:nvSpPr>
-        <p:spPr/>
-        <p:txBody>
-          <a:bodyPr/>
-          <a:lstStyle/>
-          <a:p>
-            <a:r>
-              <a:rPr lang="en-US" altLang="ko-KR" dirty="0" err="1"/>
-              <a:t>asdasd</a:t>
-            </a:r>
-            <a:endParaRPr lang="ko-KR" altLang="en-US" dirty="0"/>
-          </a:p>
-        </p:txBody>
-      </p:sp>
+        <p:spPr>
+          <a:xfrm>
+            <a:off x="4700154" y="1804843"/>
+            <a:ext cx="3332801" cy="501939"/>
+          </a:xfrm>
+        </p:spPr>
+        <p:txBody>
+          <a:bodyPr>
+            <a:normAutofit/>
+          </a:bodyPr>
+          <a:lstStyle/>
+          <a:p>
+            <a:pPr marL="0" indent="0">
+              <a:buNone/>
+            </a:pPr>
+            <a:r>
+              <a:rPr lang="en-US" altLang="ko-KR" sz="2000" b="1" dirty="0">
+                <a:solidFill>
+                  <a:schemeClr val="bg1"/>
+                </a:solidFill>
+              </a:rPr>
+              <a:t>Standard</a:t>
+            </a:r>
+            <a:r>
+              <a:rPr lang="ko-KR" altLang="en-US" sz="2000" b="1" dirty="0">
+                <a:solidFill>
+                  <a:schemeClr val="bg1"/>
+                </a:solidFill>
+              </a:rPr>
+              <a:t> </a:t>
+            </a:r>
+            <a:r>
+              <a:rPr lang="en-US" altLang="ko-KR" sz="2000" b="1" dirty="0">
+                <a:solidFill>
+                  <a:schemeClr val="bg1"/>
+                </a:solidFill>
+              </a:rPr>
+              <a:t>ACL </a:t>
+            </a:r>
+            <a:r>
+              <a:rPr lang="ko-KR" altLang="en-US" sz="2000" b="1" dirty="0">
+                <a:solidFill>
+                  <a:schemeClr val="bg1"/>
+                </a:solidFill>
+              </a:rPr>
+              <a:t>적용 명령어</a:t>
+            </a:r>
+          </a:p>
+        </p:txBody>
+      </p:sp>
+      <p:pic>
+        <p:nvPicPr>
+          <p:cNvPr id="5" name="그림 4">
+            <a:extLst>
+              <a:ext uri="{FF2B5EF4-FFF2-40B4-BE49-F238E27FC236}">
+                <a16:creationId xmlns:a16="http://schemas.microsoft.com/office/drawing/2014/main" id="{6301515C-69D5-5340-8F69-CCBDDB452653}"/>
+              </a:ext>
+            </a:extLst>
+          </p:cNvPr>
+          <p:cNvPicPr>
+            <a:picLocks noChangeAspect="1"/>
+          </p:cNvPicPr>
+          <p:nvPr/>
+        </p:nvPicPr>
+        <p:blipFill>
+          <a:blip r:embed="rId2"/>
+          <a:stretch>
+            <a:fillRect/>
+          </a:stretch>
+        </p:blipFill>
+        <p:spPr>
+          <a:xfrm>
+            <a:off x="591552" y="2420937"/>
+            <a:ext cx="4236086" cy="3889496"/>
+          </a:xfrm>
+          <a:prstGeom prst="rect">
+            <a:avLst/>
+          </a:prstGeom>
+        </p:spPr>
+      </p:pic>
+      <p:pic>
+        <p:nvPicPr>
+          <p:cNvPr id="9" name="그림 8">
+            <a:extLst>
+              <a:ext uri="{FF2B5EF4-FFF2-40B4-BE49-F238E27FC236}">
+                <a16:creationId xmlns:a16="http://schemas.microsoft.com/office/drawing/2014/main" id="{EA90E62B-A825-CD5F-6A7D-FC17471010E0}"/>
+              </a:ext>
+            </a:extLst>
+          </p:cNvPr>
+          <p:cNvPicPr>
+            <a:picLocks noChangeAspect="1"/>
+          </p:cNvPicPr>
+          <p:nvPr/>
+        </p:nvPicPr>
+        <p:blipFill>
+          <a:blip r:embed="rId3"/>
+          <a:stretch>
+            <a:fillRect/>
+          </a:stretch>
+        </p:blipFill>
+        <p:spPr>
+          <a:xfrm>
+            <a:off x="4964503" y="2410183"/>
+            <a:ext cx="6883368" cy="1955502"/>
+          </a:xfrm>
+          <a:prstGeom prst="rect">
+            <a:avLst/>
+          </a:prstGeom>
+        </p:spPr>
+      </p:pic>
+      <p:pic>
+        <p:nvPicPr>
+          <p:cNvPr id="13" name="그림 12">
+            <a:extLst>
+              <a:ext uri="{FF2B5EF4-FFF2-40B4-BE49-F238E27FC236}">
+                <a16:creationId xmlns:a16="http://schemas.microsoft.com/office/drawing/2014/main" id="{7B93CC32-1F34-51A1-1967-B0653B3A3261}"/>
+              </a:ext>
+            </a:extLst>
+          </p:cNvPr>
+          <p:cNvPicPr>
+            <a:picLocks noChangeAspect="1"/>
+          </p:cNvPicPr>
+          <p:nvPr/>
+        </p:nvPicPr>
+        <p:blipFill>
+          <a:blip r:embed="rId4"/>
+          <a:stretch>
+            <a:fillRect/>
+          </a:stretch>
+        </p:blipFill>
+        <p:spPr>
+          <a:xfrm>
+            <a:off x="4984167" y="4545854"/>
+            <a:ext cx="7217665" cy="2050473"/>
+          </a:xfrm>
+          <a:prstGeom prst="rect">
+            <a:avLst/>
+          </a:prstGeom>
+        </p:spPr>
+      </p:pic>
     </p:spTree>
     <p:extLst>
       <p:ext uri="{BB962C8B-B14F-4D97-AF65-F5344CB8AC3E}">
-        <p14:creationId xmlns:p14="http://schemas.microsoft.com/office/powerpoint/2010/main" val="2774282134"/>
+        <p14:creationId xmlns:p14="http://schemas.microsoft.com/office/powerpoint/2010/main" val="3541125203"/>
       </p:ext>
     </p:extLst>
   </p:cSld>
@@ -5379,6 +6863,14 @@
           <a:p>
             <a:pPr algn="ctr"/>
             <a:r>
+              <a:rPr lang="en-US" altLang="ko-KR" sz="4000" b="1" dirty="0">
+                <a:solidFill>
+                  <a:schemeClr val="bg1"/>
+                </a:solidFill>
+              </a:rPr>
+              <a:t>Extended</a:t>
+            </a:r>
+            <a:r>
               <a:rPr lang="ko-KR" altLang="en-US" sz="4000" b="1" dirty="0">
                 <a:solidFill>
                   <a:schemeClr val="bg1"/>
@@ -5392,7 +6884,7 @@
                   <a:schemeClr val="bg1"/>
                 </a:solidFill>
               </a:rPr>
-              <a:t>Extended ACL(Access Control List)</a:t>
+              <a:t>ACL(Access Control List)</a:t>
             </a:r>
             <a:endParaRPr lang="ko-KR" altLang="en-US" sz="4000" b="1" dirty="0">
               <a:solidFill>
@@ -5420,13 +6912,13 @@
         </p:nvSpPr>
         <p:spPr>
           <a:xfrm>
-            <a:off x="4565072" y="1804843"/>
-            <a:ext cx="3061855" cy="501939"/>
+            <a:off x="772732" y="1581040"/>
+            <a:ext cx="10646532" cy="501939"/>
           </a:xfrm>
         </p:spPr>
         <p:txBody>
           <a:bodyPr>
-            <a:normAutofit/>
+            <a:normAutofit fontScale="92500"/>
           </a:bodyPr>
           <a:lstStyle/>
           <a:p>
@@ -5434,12 +6926,20 @@
               <a:buNone/>
             </a:pPr>
             <a:r>
+              <a:rPr lang="ko-KR" altLang="en-US" sz="2000" b="1" dirty="0">
+                <a:solidFill>
+                  <a:schemeClr val="bg1"/>
+                </a:solidFill>
+              </a:rPr>
+              <a:t>출발지의 </a:t>
+            </a:r>
+            <a:r>
               <a:rPr lang="en-US" altLang="ko-KR" sz="2000" b="1" dirty="0">
                 <a:solidFill>
                   <a:schemeClr val="bg1"/>
                 </a:solidFill>
               </a:rPr>
-              <a:t>Extended ACL </a:t>
+              <a:t>IP </a:t>
             </a:r>
             <a:r>
               <a:rPr lang="ko-KR" altLang="en-US" sz="2000" b="1" dirty="0">
@@ -5447,15 +6947,854 @@
                   <a:schemeClr val="bg1"/>
                 </a:solidFill>
               </a:rPr>
-              <a:t>토폴로지</a:t>
-            </a:r>
+              <a:t>주소 </a:t>
+            </a:r>
+            <a:r>
+              <a:rPr lang="en-US" altLang="ko-KR" sz="2000" b="1" dirty="0">
+                <a:solidFill>
+                  <a:schemeClr val="bg1"/>
+                </a:solidFill>
+              </a:rPr>
+              <a:t>, TCP , UDP</a:t>
+            </a:r>
+            <a:r>
+              <a:rPr lang="ko-KR" altLang="en-US" sz="2000" b="1" dirty="0">
+                <a:solidFill>
+                  <a:schemeClr val="bg1"/>
+                </a:solidFill>
+              </a:rPr>
+              <a:t>의 포트의 </a:t>
+            </a:r>
+            <a:r>
+              <a:rPr lang="ko-KR" altLang="en-US" sz="2000" b="1" dirty="0" err="1">
+                <a:solidFill>
+                  <a:schemeClr val="bg1"/>
+                </a:solidFill>
+              </a:rPr>
+              <a:t>번호등</a:t>
+            </a:r>
+            <a:r>
+              <a:rPr lang="ko-KR" altLang="en-US" sz="2000" b="1" dirty="0">
+                <a:solidFill>
+                  <a:schemeClr val="bg1"/>
+                </a:solidFill>
+              </a:rPr>
+              <a:t>  검사하는 </a:t>
+            </a:r>
+            <a:r>
+              <a:rPr lang="en-US" altLang="ko-KR" sz="2000" b="1" dirty="0">
+                <a:solidFill>
+                  <a:schemeClr val="bg1"/>
+                </a:solidFill>
+              </a:rPr>
+              <a:t>ACL </a:t>
+            </a:r>
+            <a:r>
+              <a:rPr lang="ko-KR" altLang="en-US" sz="2000" b="1" dirty="0">
+                <a:solidFill>
+                  <a:schemeClr val="bg1"/>
+                </a:solidFill>
+              </a:rPr>
+              <a:t>방식</a:t>
+            </a:r>
+            <a:r>
+              <a:rPr lang="en-US" altLang="ko-KR" sz="2000" b="1" dirty="0">
+                <a:solidFill>
+                  <a:schemeClr val="bg1"/>
+                </a:solidFill>
+              </a:rPr>
+              <a:t>(ACL number : 100 ~ 199)</a:t>
+            </a:r>
+            <a:endParaRPr lang="ko-KR" altLang="en-US" sz="2000" b="1" dirty="0">
+              <a:solidFill>
+                <a:schemeClr val="bg1"/>
+              </a:solidFill>
+            </a:endParaRPr>
+          </a:p>
+        </p:txBody>
+      </p:sp>
+      <p:pic>
+        <p:nvPicPr>
+          <p:cNvPr id="4" name="그래픽 3" descr="구름 윤곽선">
+            <a:extLst>
+              <a:ext uri="{FF2B5EF4-FFF2-40B4-BE49-F238E27FC236}">
+                <a16:creationId xmlns:a16="http://schemas.microsoft.com/office/drawing/2014/main" id="{D507EA20-80E6-3F25-024D-32085C290729}"/>
+              </a:ext>
+            </a:extLst>
+          </p:cNvPr>
+          <p:cNvPicPr>
+            <a:picLocks noChangeAspect="1"/>
+          </p:cNvPicPr>
+          <p:nvPr/>
+        </p:nvPicPr>
+        <p:blipFill>
+          <a:blip r:embed="rId2">
+            <a:extLst>
+              <a:ext uri="{28A0092B-C50C-407E-A947-70E740481C1C}">
+                <a14:useLocalDpi xmlns:a14="http://schemas.microsoft.com/office/drawing/2010/main" val="0"/>
+              </a:ext>
+              <a:ext uri="{96DAC541-7B7A-43D3-8B79-37D633B846F1}">
+                <asvg:svgBlip xmlns:asvg="http://schemas.microsoft.com/office/drawing/2016/SVG/main" r:embed="rId3"/>
+              </a:ext>
+            </a:extLst>
+          </a:blip>
+          <a:stretch>
+            <a:fillRect/>
+          </a:stretch>
+        </p:blipFill>
+        <p:spPr>
+          <a:xfrm>
+            <a:off x="4365163" y="1787353"/>
+            <a:ext cx="3461673" cy="3461673"/>
+          </a:xfrm>
+          <a:prstGeom prst="rect">
+            <a:avLst/>
+          </a:prstGeom>
+        </p:spPr>
+      </p:pic>
+      <p:pic>
+        <p:nvPicPr>
+          <p:cNvPr id="5" name="그래픽 4" descr="사용자 윤곽선">
+            <a:extLst>
+              <a:ext uri="{FF2B5EF4-FFF2-40B4-BE49-F238E27FC236}">
+                <a16:creationId xmlns:a16="http://schemas.microsoft.com/office/drawing/2014/main" id="{1193FD0B-DE19-479F-9967-B02912A815A7}"/>
+              </a:ext>
+            </a:extLst>
+          </p:cNvPr>
+          <p:cNvPicPr>
+            <a:picLocks noChangeAspect="1"/>
+          </p:cNvPicPr>
+          <p:nvPr/>
+        </p:nvPicPr>
+        <p:blipFill>
+          <a:blip r:embed="rId4">
+            <a:extLst>
+              <a:ext uri="{28A0092B-C50C-407E-A947-70E740481C1C}">
+                <a14:useLocalDpi xmlns:a14="http://schemas.microsoft.com/office/drawing/2010/main" val="0"/>
+              </a:ext>
+              <a:ext uri="{96DAC541-7B7A-43D3-8B79-37D633B846F1}">
+                <asvg:svgBlip xmlns:asvg="http://schemas.microsoft.com/office/drawing/2016/SVG/main" r:embed="rId5"/>
+              </a:ext>
+            </a:extLst>
+          </a:blip>
+          <a:stretch>
+            <a:fillRect/>
+          </a:stretch>
+        </p:blipFill>
+        <p:spPr>
+          <a:xfrm>
+            <a:off x="983755" y="3881864"/>
+            <a:ext cx="1737073" cy="1737073"/>
+          </a:xfrm>
+          <a:prstGeom prst="rect">
+            <a:avLst/>
+          </a:prstGeom>
+        </p:spPr>
+      </p:pic>
+      <p:pic>
+        <p:nvPicPr>
+          <p:cNvPr id="7" name="그래픽 6" descr="무선 라우터 윤곽선">
+            <a:extLst>
+              <a:ext uri="{FF2B5EF4-FFF2-40B4-BE49-F238E27FC236}">
+                <a16:creationId xmlns:a16="http://schemas.microsoft.com/office/drawing/2014/main" id="{BFCF71C8-88A5-D850-0BD3-048BFBADBFB7}"/>
+              </a:ext>
+            </a:extLst>
+          </p:cNvPr>
+          <p:cNvPicPr>
+            <a:picLocks noChangeAspect="1"/>
+          </p:cNvPicPr>
+          <p:nvPr/>
+        </p:nvPicPr>
+        <p:blipFill>
+          <a:blip r:embed="rId6">
+            <a:extLst>
+              <a:ext uri="{28A0092B-C50C-407E-A947-70E740481C1C}">
+                <a14:useLocalDpi xmlns:a14="http://schemas.microsoft.com/office/drawing/2010/main" val="0"/>
+              </a:ext>
+              <a:ext uri="{96DAC541-7B7A-43D3-8B79-37D633B846F1}">
+                <asvg:svgBlip xmlns:asvg="http://schemas.microsoft.com/office/drawing/2016/SVG/main" r:embed="rId7"/>
+              </a:ext>
+            </a:extLst>
+          </a:blip>
+          <a:stretch>
+            <a:fillRect/>
+          </a:stretch>
+        </p:blipFill>
+        <p:spPr>
+          <a:xfrm>
+            <a:off x="9340855" y="2705292"/>
+            <a:ext cx="1788695" cy="1788695"/>
+          </a:xfrm>
+          <a:prstGeom prst="rect">
+            <a:avLst/>
+          </a:prstGeom>
+        </p:spPr>
+      </p:pic>
+      <p:sp>
+        <p:nvSpPr>
+          <p:cNvPr id="8" name="TextBox 7">
+            <a:extLst>
+              <a:ext uri="{FF2B5EF4-FFF2-40B4-BE49-F238E27FC236}">
+                <a16:creationId xmlns:a16="http://schemas.microsoft.com/office/drawing/2014/main" id="{B61904BA-FA6D-1A0C-00D8-468A3D55501D}"/>
+              </a:ext>
+            </a:extLst>
+          </p:cNvPr>
+          <p:cNvSpPr txBox="1"/>
+          <p:nvPr/>
+        </p:nvSpPr>
+        <p:spPr>
+          <a:xfrm>
+            <a:off x="5349728" y="3481477"/>
+            <a:ext cx="1492541" cy="477054"/>
+          </a:xfrm>
+          <a:prstGeom prst="rect">
+            <a:avLst/>
+          </a:prstGeom>
+          <a:noFill/>
+        </p:spPr>
+        <p:txBody>
+          <a:bodyPr wrap="square" rtlCol="0">
+            <a:spAutoFit/>
+          </a:bodyPr>
+          <a:lstStyle/>
+          <a:p>
+            <a:r>
+              <a:rPr lang="en-US" altLang="ko-KR" sz="2500" b="1" dirty="0">
+                <a:solidFill>
+                  <a:schemeClr val="bg1"/>
+                </a:solidFill>
+              </a:rPr>
+              <a:t>Network</a:t>
+            </a:r>
+            <a:endParaRPr lang="ko-KR" altLang="en-US" sz="2500" b="1" dirty="0">
+              <a:solidFill>
+                <a:schemeClr val="bg1"/>
+              </a:solidFill>
+            </a:endParaRPr>
+          </a:p>
+        </p:txBody>
+      </p:sp>
+      <p:pic>
+        <p:nvPicPr>
+          <p:cNvPr id="9" name="그래픽 8" descr="체크리스트 단색으로 채워진">
+            <a:extLst>
+              <a:ext uri="{FF2B5EF4-FFF2-40B4-BE49-F238E27FC236}">
+                <a16:creationId xmlns:a16="http://schemas.microsoft.com/office/drawing/2014/main" id="{30BBD0DF-923E-1F28-86FF-5C63FDD1888F}"/>
+              </a:ext>
+            </a:extLst>
+          </p:cNvPr>
+          <p:cNvPicPr>
+            <a:picLocks noChangeAspect="1"/>
+          </p:cNvPicPr>
+          <p:nvPr/>
+        </p:nvPicPr>
+        <p:blipFill>
+          <a:blip r:embed="rId8">
+            <a:extLst>
+              <a:ext uri="{28A0092B-C50C-407E-A947-70E740481C1C}">
+                <a14:useLocalDpi xmlns:a14="http://schemas.microsoft.com/office/drawing/2010/main" val="0"/>
+              </a:ext>
+              <a:ext uri="{96DAC541-7B7A-43D3-8B79-37D633B846F1}">
+                <asvg:svgBlip xmlns:asvg="http://schemas.microsoft.com/office/drawing/2016/SVG/main" r:embed="rId9"/>
+              </a:ext>
+            </a:extLst>
+          </a:blip>
+          <a:stretch>
+            <a:fillRect/>
+          </a:stretch>
+        </p:blipFill>
+        <p:spPr>
+          <a:xfrm>
+            <a:off x="4331654" y="4853087"/>
+            <a:ext cx="1684789" cy="1684789"/>
+          </a:xfrm>
+          <a:prstGeom prst="rect">
+            <a:avLst/>
+          </a:prstGeom>
+        </p:spPr>
+      </p:pic>
+      <p:cxnSp>
+        <p:nvCxnSpPr>
+          <p:cNvPr id="10" name="직선 화살표 연결선 9">
+            <a:extLst>
+              <a:ext uri="{FF2B5EF4-FFF2-40B4-BE49-F238E27FC236}">
+                <a16:creationId xmlns:a16="http://schemas.microsoft.com/office/drawing/2014/main" id="{65DAA7A0-D82D-42DE-B868-7EB0865928E9}"/>
+              </a:ext>
+            </a:extLst>
+          </p:cNvPr>
+          <p:cNvCxnSpPr>
+            <a:cxnSpLocks/>
+          </p:cNvCxnSpPr>
+          <p:nvPr/>
+        </p:nvCxnSpPr>
+        <p:spPr>
+          <a:xfrm>
+            <a:off x="2943726" y="3056021"/>
+            <a:ext cx="1329926" cy="663983"/>
+          </a:xfrm>
+          <a:prstGeom prst="straightConnector1">
+            <a:avLst/>
+          </a:prstGeom>
+          <a:ln w="76200">
+            <a:solidFill>
+              <a:schemeClr val="bg1"/>
+            </a:solidFill>
+            <a:tailEnd type="triangle"/>
+          </a:ln>
+        </p:spPr>
+        <p:style>
+          <a:lnRef idx="1">
+            <a:schemeClr val="accent1"/>
+          </a:lnRef>
+          <a:fillRef idx="0">
+            <a:schemeClr val="accent1"/>
+          </a:fillRef>
+          <a:effectRef idx="0">
+            <a:schemeClr val="accent1"/>
+          </a:effectRef>
+          <a:fontRef idx="minor">
+            <a:schemeClr val="tx1"/>
+          </a:fontRef>
+        </p:style>
+      </p:cxnSp>
+      <p:cxnSp>
+        <p:nvCxnSpPr>
+          <p:cNvPr id="12" name="직선 화살표 연결선 11">
+            <a:extLst>
+              <a:ext uri="{FF2B5EF4-FFF2-40B4-BE49-F238E27FC236}">
+                <a16:creationId xmlns:a16="http://schemas.microsoft.com/office/drawing/2014/main" id="{3FF4AD31-D891-FEF7-2C27-E7C9332FB385}"/>
+              </a:ext>
+            </a:extLst>
+          </p:cNvPr>
+          <p:cNvCxnSpPr>
+            <a:cxnSpLocks/>
+          </p:cNvCxnSpPr>
+          <p:nvPr/>
+        </p:nvCxnSpPr>
+        <p:spPr>
+          <a:xfrm>
+            <a:off x="7826836" y="3720004"/>
+            <a:ext cx="1309521" cy="0"/>
+          </a:xfrm>
+          <a:prstGeom prst="straightConnector1">
+            <a:avLst/>
+          </a:prstGeom>
+          <a:ln w="76200">
+            <a:solidFill>
+              <a:schemeClr val="bg1"/>
+            </a:solidFill>
+            <a:tailEnd type="triangle"/>
+          </a:ln>
+        </p:spPr>
+        <p:style>
+          <a:lnRef idx="1">
+            <a:schemeClr val="accent1"/>
+          </a:lnRef>
+          <a:fillRef idx="0">
+            <a:schemeClr val="accent1"/>
+          </a:fillRef>
+          <a:effectRef idx="0">
+            <a:schemeClr val="accent1"/>
+          </a:effectRef>
+          <a:fontRef idx="minor">
+            <a:schemeClr val="tx1"/>
+          </a:fontRef>
+        </p:style>
+      </p:cxnSp>
+      <p:sp>
+        <p:nvSpPr>
+          <p:cNvPr id="13" name="TextBox 12">
+            <a:extLst>
+              <a:ext uri="{FF2B5EF4-FFF2-40B4-BE49-F238E27FC236}">
+                <a16:creationId xmlns:a16="http://schemas.microsoft.com/office/drawing/2014/main" id="{DF54C64A-3914-8148-D4DD-AB1EDF234B4A}"/>
+              </a:ext>
+            </a:extLst>
+          </p:cNvPr>
+          <p:cNvSpPr txBox="1"/>
+          <p:nvPr/>
+        </p:nvSpPr>
+        <p:spPr>
+          <a:xfrm>
+            <a:off x="5746828" y="5172743"/>
+            <a:ext cx="2168779" cy="477054"/>
+          </a:xfrm>
+          <a:prstGeom prst="rect">
+            <a:avLst/>
+          </a:prstGeom>
+          <a:noFill/>
+        </p:spPr>
+        <p:txBody>
+          <a:bodyPr wrap="square" rtlCol="0">
+            <a:spAutoFit/>
+          </a:bodyPr>
+          <a:lstStyle/>
+          <a:p>
+            <a:r>
+              <a:rPr lang="en-US" altLang="ko-KR" sz="2500" b="1" dirty="0">
+                <a:solidFill>
+                  <a:schemeClr val="bg1"/>
+                </a:solidFill>
+              </a:rPr>
+              <a:t>192.168.0.24</a:t>
+            </a:r>
+            <a:endParaRPr lang="ko-KR" altLang="en-US" sz="2500" b="1" dirty="0">
+              <a:solidFill>
+                <a:schemeClr val="bg1"/>
+              </a:solidFill>
+            </a:endParaRPr>
+          </a:p>
+        </p:txBody>
+      </p:sp>
+      <p:sp>
+        <p:nvSpPr>
+          <p:cNvPr id="14" name="TextBox 13">
+            <a:extLst>
+              <a:ext uri="{FF2B5EF4-FFF2-40B4-BE49-F238E27FC236}">
+                <a16:creationId xmlns:a16="http://schemas.microsoft.com/office/drawing/2014/main" id="{7DA2B343-0F65-C6CF-9C49-AFCECBE8FB5F}"/>
+              </a:ext>
+            </a:extLst>
+          </p:cNvPr>
+          <p:cNvSpPr txBox="1"/>
+          <p:nvPr/>
+        </p:nvSpPr>
+        <p:spPr>
+          <a:xfrm>
+            <a:off x="4664676" y="4550964"/>
+            <a:ext cx="1225824" cy="400110"/>
+          </a:xfrm>
+          <a:prstGeom prst="rect">
+            <a:avLst/>
+          </a:prstGeom>
+          <a:noFill/>
+        </p:spPr>
+        <p:txBody>
+          <a:bodyPr wrap="square" rtlCol="0">
+            <a:spAutoFit/>
+          </a:bodyPr>
+          <a:lstStyle/>
+          <a:p>
+            <a:r>
+              <a:rPr lang="en-US" altLang="ko-KR" sz="2000" b="1" dirty="0">
+                <a:solidFill>
+                  <a:schemeClr val="bg1"/>
+                </a:solidFill>
+              </a:rPr>
+              <a:t>ACL 10</a:t>
+            </a:r>
+            <a:endParaRPr lang="ko-KR" altLang="en-US" sz="2000" b="1" dirty="0">
+              <a:solidFill>
+                <a:schemeClr val="bg1"/>
+              </a:solidFill>
+            </a:endParaRPr>
+          </a:p>
+        </p:txBody>
+      </p:sp>
+      <p:cxnSp>
+        <p:nvCxnSpPr>
+          <p:cNvPr id="16" name="직선 화살표 연결선 15">
+            <a:extLst>
+              <a:ext uri="{FF2B5EF4-FFF2-40B4-BE49-F238E27FC236}">
+                <a16:creationId xmlns:a16="http://schemas.microsoft.com/office/drawing/2014/main" id="{5736FC06-E5A2-B660-F3B6-FB6005009347}"/>
+              </a:ext>
+            </a:extLst>
+          </p:cNvPr>
+          <p:cNvCxnSpPr>
+            <a:cxnSpLocks/>
+          </p:cNvCxnSpPr>
+          <p:nvPr/>
+        </p:nvCxnSpPr>
+        <p:spPr>
+          <a:xfrm flipV="1">
+            <a:off x="2943191" y="4263622"/>
+            <a:ext cx="1319723" cy="574685"/>
+          </a:xfrm>
+          <a:prstGeom prst="straightConnector1">
+            <a:avLst/>
+          </a:prstGeom>
+          <a:ln w="76200">
+            <a:solidFill>
+              <a:schemeClr val="bg1"/>
+            </a:solidFill>
+            <a:tailEnd type="triangle"/>
+          </a:ln>
+        </p:spPr>
+        <p:style>
+          <a:lnRef idx="1">
+            <a:schemeClr val="accent1"/>
+          </a:lnRef>
+          <a:fillRef idx="0">
+            <a:schemeClr val="accent1"/>
+          </a:fillRef>
+          <a:effectRef idx="0">
+            <a:schemeClr val="accent1"/>
+          </a:effectRef>
+          <a:fontRef idx="minor">
+            <a:schemeClr val="tx1"/>
+          </a:fontRef>
+        </p:style>
+      </p:cxnSp>
+      <p:pic>
+        <p:nvPicPr>
+          <p:cNvPr id="18" name="그래픽 17" descr="사용자 윤곽선">
+            <a:extLst>
+              <a:ext uri="{FF2B5EF4-FFF2-40B4-BE49-F238E27FC236}">
+                <a16:creationId xmlns:a16="http://schemas.microsoft.com/office/drawing/2014/main" id="{C9E37CC0-39EF-72FD-6967-9FD8AFD67AF7}"/>
+              </a:ext>
+            </a:extLst>
+          </p:cNvPr>
+          <p:cNvPicPr>
+            <a:picLocks noChangeAspect="1"/>
+          </p:cNvPicPr>
+          <p:nvPr/>
+        </p:nvPicPr>
+        <p:blipFill>
+          <a:blip r:embed="rId4">
+            <a:extLst>
+              <a:ext uri="{28A0092B-C50C-407E-A947-70E740481C1C}">
+                <a14:useLocalDpi xmlns:a14="http://schemas.microsoft.com/office/drawing/2010/main" val="0"/>
+              </a:ext>
+              <a:ext uri="{96DAC541-7B7A-43D3-8B79-37D633B846F1}">
+                <asvg:svgBlip xmlns:asvg="http://schemas.microsoft.com/office/drawing/2016/SVG/main" r:embed="rId5"/>
+              </a:ext>
+            </a:extLst>
+          </a:blip>
+          <a:stretch>
+            <a:fillRect/>
+          </a:stretch>
+        </p:blipFill>
+        <p:spPr>
+          <a:xfrm>
+            <a:off x="897860" y="1989209"/>
+            <a:ext cx="1737073" cy="1737073"/>
+          </a:xfrm>
+          <a:prstGeom prst="rect">
+            <a:avLst/>
+          </a:prstGeom>
+        </p:spPr>
+      </p:pic>
+      <p:sp>
+        <p:nvSpPr>
+          <p:cNvPr id="19" name="TextBox 18">
+            <a:extLst>
+              <a:ext uri="{FF2B5EF4-FFF2-40B4-BE49-F238E27FC236}">
+                <a16:creationId xmlns:a16="http://schemas.microsoft.com/office/drawing/2014/main" id="{52550D43-27BD-CD48-19BF-4499FADEBCAE}"/>
+              </a:ext>
+            </a:extLst>
+          </p:cNvPr>
+          <p:cNvSpPr txBox="1"/>
+          <p:nvPr/>
+        </p:nvSpPr>
+        <p:spPr>
+          <a:xfrm>
+            <a:off x="943615" y="3512492"/>
+            <a:ext cx="1737074" cy="400110"/>
+          </a:xfrm>
+          <a:prstGeom prst="rect">
+            <a:avLst/>
+          </a:prstGeom>
+          <a:noFill/>
+        </p:spPr>
+        <p:txBody>
+          <a:bodyPr wrap="square" rtlCol="0">
+            <a:spAutoFit/>
+          </a:bodyPr>
+          <a:lstStyle/>
+          <a:p>
+            <a:r>
+              <a:rPr lang="en-US" altLang="ko-KR" sz="2000" b="1" dirty="0">
+                <a:solidFill>
+                  <a:schemeClr val="bg1"/>
+                </a:solidFill>
+              </a:rPr>
+              <a:t>192.168.0.24</a:t>
+            </a:r>
+            <a:endParaRPr lang="ko-KR" altLang="en-US" sz="2000" b="1" dirty="0">
+              <a:solidFill>
+                <a:schemeClr val="bg1"/>
+              </a:solidFill>
+            </a:endParaRPr>
+          </a:p>
+        </p:txBody>
+      </p:sp>
+      <p:sp>
+        <p:nvSpPr>
+          <p:cNvPr id="20" name="TextBox 19">
+            <a:extLst>
+              <a:ext uri="{FF2B5EF4-FFF2-40B4-BE49-F238E27FC236}">
+                <a16:creationId xmlns:a16="http://schemas.microsoft.com/office/drawing/2014/main" id="{0CB6275C-AC89-C84A-31EA-858F9A129499}"/>
+              </a:ext>
+            </a:extLst>
+          </p:cNvPr>
+          <p:cNvSpPr txBox="1"/>
+          <p:nvPr/>
+        </p:nvSpPr>
+        <p:spPr>
+          <a:xfrm>
+            <a:off x="966994" y="5450727"/>
+            <a:ext cx="1737074" cy="400110"/>
+          </a:xfrm>
+          <a:prstGeom prst="rect">
+            <a:avLst/>
+          </a:prstGeom>
+          <a:noFill/>
+        </p:spPr>
+        <p:txBody>
+          <a:bodyPr wrap="square" rtlCol="0">
+            <a:spAutoFit/>
+          </a:bodyPr>
+          <a:lstStyle/>
+          <a:p>
+            <a:r>
+              <a:rPr lang="en-US" altLang="ko-KR" sz="2000" b="1" dirty="0">
+                <a:solidFill>
+                  <a:schemeClr val="bg1"/>
+                </a:solidFill>
+              </a:rPr>
+              <a:t>192.168.1.24</a:t>
+            </a:r>
+            <a:endParaRPr lang="ko-KR" altLang="en-US" sz="2000" b="1" dirty="0">
+              <a:solidFill>
+                <a:schemeClr val="bg1"/>
+              </a:solidFill>
+            </a:endParaRPr>
+          </a:p>
+        </p:txBody>
+      </p:sp>
+      <p:pic>
+        <p:nvPicPr>
+          <p:cNvPr id="22" name="그래픽 21" descr="체크리스트 단색으로 채워진">
+            <a:extLst>
+              <a:ext uri="{FF2B5EF4-FFF2-40B4-BE49-F238E27FC236}">
+                <a16:creationId xmlns:a16="http://schemas.microsoft.com/office/drawing/2014/main" id="{FBA1507E-34B8-1664-603C-2A54FF1A4F74}"/>
+              </a:ext>
+            </a:extLst>
+          </p:cNvPr>
+          <p:cNvPicPr>
+            <a:picLocks noChangeAspect="1"/>
+          </p:cNvPicPr>
+          <p:nvPr/>
+        </p:nvPicPr>
+        <p:blipFill>
+          <a:blip r:embed="rId8">
+            <a:extLst>
+              <a:ext uri="{28A0092B-C50C-407E-A947-70E740481C1C}">
+                <a14:useLocalDpi xmlns:a14="http://schemas.microsoft.com/office/drawing/2010/main" val="0"/>
+              </a:ext>
+              <a:ext uri="{96DAC541-7B7A-43D3-8B79-37D633B846F1}">
+                <asvg:svgBlip xmlns:asvg="http://schemas.microsoft.com/office/drawing/2016/SVG/main" r:embed="rId9"/>
+              </a:ext>
+            </a:extLst>
+          </a:blip>
+          <a:stretch>
+            <a:fillRect/>
+          </a:stretch>
+        </p:blipFill>
+        <p:spPr>
+          <a:xfrm>
+            <a:off x="8004379" y="4808387"/>
+            <a:ext cx="1684789" cy="1684789"/>
+          </a:xfrm>
+          <a:prstGeom prst="rect">
+            <a:avLst/>
+          </a:prstGeom>
+        </p:spPr>
+      </p:pic>
+      <p:sp>
+        <p:nvSpPr>
+          <p:cNvPr id="23" name="TextBox 22">
+            <a:extLst>
+              <a:ext uri="{FF2B5EF4-FFF2-40B4-BE49-F238E27FC236}">
+                <a16:creationId xmlns:a16="http://schemas.microsoft.com/office/drawing/2014/main" id="{23684627-701B-8FEC-7332-F04B3706D2D6}"/>
+              </a:ext>
+            </a:extLst>
+          </p:cNvPr>
+          <p:cNvSpPr txBox="1"/>
+          <p:nvPr/>
+        </p:nvSpPr>
+        <p:spPr>
+          <a:xfrm>
+            <a:off x="8331242" y="4550345"/>
+            <a:ext cx="1225824" cy="400110"/>
+          </a:xfrm>
+          <a:prstGeom prst="rect">
+            <a:avLst/>
+          </a:prstGeom>
+          <a:noFill/>
+        </p:spPr>
+        <p:txBody>
+          <a:bodyPr wrap="square" rtlCol="0">
+            <a:spAutoFit/>
+          </a:bodyPr>
+          <a:lstStyle/>
+          <a:p>
+            <a:r>
+              <a:rPr lang="en-US" altLang="ko-KR" sz="2000" b="1" dirty="0">
+                <a:solidFill>
+                  <a:schemeClr val="bg1"/>
+                </a:solidFill>
+              </a:rPr>
+              <a:t>ACL 20</a:t>
+            </a:r>
+            <a:endParaRPr lang="ko-KR" altLang="en-US" sz="2000" b="1" dirty="0">
+              <a:solidFill>
+                <a:schemeClr val="bg1"/>
+              </a:solidFill>
+            </a:endParaRPr>
+          </a:p>
+        </p:txBody>
+      </p:sp>
+      <p:sp>
+        <p:nvSpPr>
+          <p:cNvPr id="24" name="TextBox 23">
+            <a:extLst>
+              <a:ext uri="{FF2B5EF4-FFF2-40B4-BE49-F238E27FC236}">
+                <a16:creationId xmlns:a16="http://schemas.microsoft.com/office/drawing/2014/main" id="{0DBCFAE8-0004-0F85-E26D-0AE79329EC9A}"/>
+              </a:ext>
+            </a:extLst>
+          </p:cNvPr>
+          <p:cNvSpPr txBox="1"/>
+          <p:nvPr/>
+        </p:nvSpPr>
+        <p:spPr>
+          <a:xfrm>
+            <a:off x="9392025" y="5218427"/>
+            <a:ext cx="2168779" cy="477054"/>
+          </a:xfrm>
+          <a:prstGeom prst="rect">
+            <a:avLst/>
+          </a:prstGeom>
+          <a:noFill/>
+        </p:spPr>
+        <p:txBody>
+          <a:bodyPr wrap="square" rtlCol="0">
+            <a:spAutoFit/>
+          </a:bodyPr>
+          <a:lstStyle/>
+          <a:p>
+            <a:r>
+              <a:rPr lang="en-US" altLang="ko-KR" sz="2500" b="1" dirty="0">
+                <a:solidFill>
+                  <a:schemeClr val="bg1"/>
+                </a:solidFill>
+              </a:rPr>
+              <a:t>192.168.1.24</a:t>
+            </a:r>
+            <a:endParaRPr lang="ko-KR" altLang="en-US" sz="2500" b="1" dirty="0">
+              <a:solidFill>
+                <a:schemeClr val="bg1"/>
+              </a:solidFill>
+            </a:endParaRPr>
+          </a:p>
+        </p:txBody>
+      </p:sp>
+      <p:sp>
+        <p:nvSpPr>
+          <p:cNvPr id="6" name="TextBox 5">
+            <a:extLst>
+              <a:ext uri="{FF2B5EF4-FFF2-40B4-BE49-F238E27FC236}">
+                <a16:creationId xmlns:a16="http://schemas.microsoft.com/office/drawing/2014/main" id="{25BB8E02-46C8-5088-B898-F00F3B43EDF7}"/>
+              </a:ext>
+            </a:extLst>
+          </p:cNvPr>
+          <p:cNvSpPr txBox="1"/>
+          <p:nvPr/>
+        </p:nvSpPr>
+        <p:spPr>
+          <a:xfrm>
+            <a:off x="5791214" y="5666528"/>
+            <a:ext cx="2168779" cy="477054"/>
+          </a:xfrm>
+          <a:prstGeom prst="rect">
+            <a:avLst/>
+          </a:prstGeom>
+          <a:noFill/>
+        </p:spPr>
+        <p:txBody>
+          <a:bodyPr wrap="square" rtlCol="0">
+            <a:spAutoFit/>
+          </a:bodyPr>
+          <a:lstStyle/>
+          <a:p>
+            <a:r>
+              <a:rPr lang="en-US" altLang="ko-KR" sz="2500" b="1" dirty="0">
+                <a:solidFill>
+                  <a:schemeClr val="bg1"/>
+                </a:solidFill>
+              </a:rPr>
+              <a:t>TCP</a:t>
+            </a:r>
+            <a:r>
+              <a:rPr lang="ko-KR" altLang="en-US" sz="2500" b="1" dirty="0">
+                <a:solidFill>
+                  <a:schemeClr val="bg1"/>
+                </a:solidFill>
+              </a:rPr>
+              <a:t> </a:t>
+            </a:r>
+            <a:r>
+              <a:rPr lang="en-US" altLang="ko-KR" sz="2500" b="1" dirty="0">
+                <a:solidFill>
+                  <a:schemeClr val="bg1"/>
+                </a:solidFill>
+              </a:rPr>
+              <a:t>, UDP</a:t>
+            </a:r>
+            <a:endParaRPr lang="ko-KR" altLang="en-US" sz="2500" b="1" dirty="0">
+              <a:solidFill>
+                <a:schemeClr val="bg1"/>
+              </a:solidFill>
+            </a:endParaRPr>
+          </a:p>
+        </p:txBody>
+      </p:sp>
+      <p:sp>
+        <p:nvSpPr>
+          <p:cNvPr id="11" name="TextBox 10">
+            <a:extLst>
+              <a:ext uri="{FF2B5EF4-FFF2-40B4-BE49-F238E27FC236}">
+                <a16:creationId xmlns:a16="http://schemas.microsoft.com/office/drawing/2014/main" id="{B47FAD6A-DD82-B3E4-2A24-2E983E9F857D}"/>
+              </a:ext>
+            </a:extLst>
+          </p:cNvPr>
+          <p:cNvSpPr txBox="1"/>
+          <p:nvPr/>
+        </p:nvSpPr>
+        <p:spPr>
+          <a:xfrm>
+            <a:off x="9419553" y="5561783"/>
+            <a:ext cx="1047921" cy="477054"/>
+          </a:xfrm>
+          <a:prstGeom prst="rect">
+            <a:avLst/>
+          </a:prstGeom>
+          <a:noFill/>
+        </p:spPr>
+        <p:txBody>
+          <a:bodyPr wrap="square" rtlCol="0">
+            <a:spAutoFit/>
+          </a:bodyPr>
+          <a:lstStyle/>
+          <a:p>
+            <a:r>
+              <a:rPr lang="en-US" altLang="ko-KR" sz="2500" b="1" dirty="0">
+                <a:solidFill>
+                  <a:schemeClr val="bg1"/>
+                </a:solidFill>
+              </a:rPr>
+              <a:t>ICMP</a:t>
+            </a:r>
+            <a:endParaRPr lang="ko-KR" altLang="en-US" sz="2500" b="1" dirty="0">
+              <a:solidFill>
+                <a:schemeClr val="bg1"/>
+              </a:solidFill>
+            </a:endParaRPr>
           </a:p>
         </p:txBody>
       </p:sp>
     </p:spTree>
     <p:extLst>
       <p:ext uri="{BB962C8B-B14F-4D97-AF65-F5344CB8AC3E}">
-        <p14:creationId xmlns:p14="http://schemas.microsoft.com/office/powerpoint/2010/main" val="2198052416"/>
+        <p14:creationId xmlns:p14="http://schemas.microsoft.com/office/powerpoint/2010/main" val="1227737354"/>
       </p:ext>
     </p:extLst>
   </p:cSld>
